--- a/submit/submit.pptx
+++ b/submit/submit.pptx
@@ -4,6 +4,9 @@
   <p:sldMasterIdLst>
     <p:sldMasterId id="2147483648" r:id="rId1"/>
   </p:sldMasterIdLst>
+  <p:notesMasterIdLst>
+    <p:notesMasterId r:id="rId9"/>
+  </p:notesMasterIdLst>
   <p:sldIdLst>
     <p:sldId id="256" r:id="rId2"/>
     <p:sldId id="257" r:id="rId3"/>
@@ -110,11 +113,1145 @@
       </a:defRPr>
     </a:lvl9pPr>
   </p:defaultTextStyle>
+  <p:extLst>
+    <p:ext uri="{EFAFB233-063F-42B5-8137-9DF3F51BA10A}">
+      <p15:sldGuideLst xmlns:p15="http://schemas.microsoft.com/office/powerpoint/2012/main"/>
+    </p:ext>
+  </p:extLst>
 </p:presentation>
+</file>
+
+<file path=ppt/commentAuthors.xml><?xml version="1.0" encoding="utf-8"?>
+<p:cmAuthorLst xmlns:a="http://schemas.openxmlformats.org/drawingml/2006/main" xmlns:r="http://schemas.openxmlformats.org/officeDocument/2006/relationships" xmlns:p="http://schemas.openxmlformats.org/presentationml/2006/main">
+  <p:cmAuthor id="1" name="trompot@outlook.jp" initials="t" lastIdx="1" clrIdx="0">
+    <p:extLst>
+      <p:ext uri="{19B8F6BF-5375-455C-9EA6-DF929625EA0E}">
+        <p15:presenceInfo xmlns:p15="http://schemas.microsoft.com/office/powerpoint/2012/main" userId="950b5cc82bdbbd5c" providerId="Windows Live"/>
+      </p:ext>
+    </p:extLst>
+  </p:cmAuthor>
+</p:cmAuthorLst>
 </file>
 
 <file path=ppt/revisionInfo.xml><?xml version="1.0" encoding="utf-8"?>
 <p1510:revInfo xmlns:a="http://schemas.openxmlformats.org/drawingml/2006/main" xmlns:r="http://schemas.openxmlformats.org/officeDocument/2006/relationships" xmlns:p1510="http://schemas.microsoft.com/office/powerpoint/2015/10/main"/>
+</file>
+
+<file path=ppt/notesMasters/notesMaster1.xml><?xml version="1.0" encoding="utf-8"?>
+<p:notesMaster xmlns:a="http://schemas.openxmlformats.org/drawingml/2006/main" xmlns:r="http://schemas.openxmlformats.org/officeDocument/2006/relationships" xmlns:p="http://schemas.openxmlformats.org/presentationml/2006/main">
+  <p:cSld>
+    <p:bg>
+      <p:bgRef idx="1001">
+        <a:schemeClr val="bg1"/>
+      </p:bgRef>
+    </p:bg>
+    <p:spTree>
+      <p:nvGrpSpPr>
+        <p:cNvPr id="1" name=""/>
+        <p:cNvGrpSpPr/>
+        <p:nvPr/>
+      </p:nvGrpSpPr>
+      <p:grpSpPr>
+        <a:xfrm>
+          <a:off x="0" y="0"/>
+          <a:ext cx="0" cy="0"/>
+          <a:chOff x="0" y="0"/>
+          <a:chExt cx="0" cy="0"/>
+        </a:xfrm>
+      </p:grpSpPr>
+      <p:sp>
+        <p:nvSpPr>
+          <p:cNvPr id="2" name="ヘッダー プレースホルダー 1"/>
+          <p:cNvSpPr>
+            <a:spLocks noGrp="1"/>
+          </p:cNvSpPr>
+          <p:nvPr>
+            <p:ph type="hdr" sz="quarter"/>
+          </p:nvPr>
+        </p:nvSpPr>
+        <p:spPr>
+          <a:xfrm>
+            <a:off x="0" y="0"/>
+            <a:ext cx="2971800" cy="458788"/>
+          </a:xfrm>
+          <a:prstGeom prst="rect">
+            <a:avLst/>
+          </a:prstGeom>
+        </p:spPr>
+        <p:txBody>
+          <a:bodyPr vert="horz" lIns="91440" tIns="45720" rIns="91440" bIns="45720" rtlCol="0"/>
+          <a:lstStyle>
+            <a:lvl1pPr algn="l">
+              <a:defRPr sz="1200"/>
+            </a:lvl1pPr>
+          </a:lstStyle>
+          <a:p>
+            <a:endParaRPr kumimoji="1" lang="ja-JP" altLang="en-US"/>
+          </a:p>
+        </p:txBody>
+      </p:sp>
+      <p:sp>
+        <p:nvSpPr>
+          <p:cNvPr id="3" name="日付プレースホルダー 2"/>
+          <p:cNvSpPr>
+            <a:spLocks noGrp="1"/>
+          </p:cNvSpPr>
+          <p:nvPr>
+            <p:ph type="dt" idx="1"/>
+          </p:nvPr>
+        </p:nvSpPr>
+        <p:spPr>
+          <a:xfrm>
+            <a:off x="3884613" y="0"/>
+            <a:ext cx="2971800" cy="458788"/>
+          </a:xfrm>
+          <a:prstGeom prst="rect">
+            <a:avLst/>
+          </a:prstGeom>
+        </p:spPr>
+        <p:txBody>
+          <a:bodyPr vert="horz" lIns="91440" tIns="45720" rIns="91440" bIns="45720" rtlCol="0"/>
+          <a:lstStyle>
+            <a:lvl1pPr algn="r">
+              <a:defRPr sz="1200"/>
+            </a:lvl1pPr>
+          </a:lstStyle>
+          <a:p>
+            <a:fld id="{577E3844-2D7E-4C55-BB3A-F794B3A19C48}" type="datetimeFigureOut">
+              <a:rPr kumimoji="1" lang="ja-JP" altLang="en-US" smtClean="0"/>
+              <a:t>2018/7/4</a:t>
+            </a:fld>
+            <a:endParaRPr kumimoji="1" lang="ja-JP" altLang="en-US"/>
+          </a:p>
+        </p:txBody>
+      </p:sp>
+      <p:sp>
+        <p:nvSpPr>
+          <p:cNvPr id="4" name="スライド イメージ プレースホルダー 3"/>
+          <p:cNvSpPr>
+            <a:spLocks noGrp="1" noRot="1" noChangeAspect="1"/>
+          </p:cNvSpPr>
+          <p:nvPr>
+            <p:ph type="sldImg" idx="2"/>
+          </p:nvPr>
+        </p:nvSpPr>
+        <p:spPr>
+          <a:xfrm>
+            <a:off x="685800" y="1143000"/>
+            <a:ext cx="5486400" cy="3086100"/>
+          </a:xfrm>
+          <a:prstGeom prst="rect">
+            <a:avLst/>
+          </a:prstGeom>
+          <a:noFill/>
+          <a:ln w="12700">
+            <a:solidFill>
+              <a:prstClr val="black"/>
+            </a:solidFill>
+          </a:ln>
+        </p:spPr>
+        <p:txBody>
+          <a:bodyPr vert="horz" lIns="91440" tIns="45720" rIns="91440" bIns="45720" rtlCol="0" anchor="ctr"/>
+          <a:lstStyle/>
+          <a:p>
+            <a:endParaRPr lang="ja-JP" altLang="en-US"/>
+          </a:p>
+        </p:txBody>
+      </p:sp>
+      <p:sp>
+        <p:nvSpPr>
+          <p:cNvPr id="5" name="ノート プレースホルダー 4"/>
+          <p:cNvSpPr>
+            <a:spLocks noGrp="1"/>
+          </p:cNvSpPr>
+          <p:nvPr>
+            <p:ph type="body" sz="quarter" idx="3"/>
+          </p:nvPr>
+        </p:nvSpPr>
+        <p:spPr>
+          <a:xfrm>
+            <a:off x="685800" y="4400550"/>
+            <a:ext cx="5486400" cy="3600450"/>
+          </a:xfrm>
+          <a:prstGeom prst="rect">
+            <a:avLst/>
+          </a:prstGeom>
+        </p:spPr>
+        <p:txBody>
+          <a:bodyPr vert="horz" lIns="91440" tIns="45720" rIns="91440" bIns="45720" rtlCol="0"/>
+          <a:lstStyle/>
+          <a:p>
+            <a:pPr lvl="0"/>
+            <a:r>
+              <a:rPr kumimoji="1" lang="ja-JP" altLang="en-US"/>
+              <a:t>マスター テキストの書式設定</a:t>
+            </a:r>
+          </a:p>
+          <a:p>
+            <a:pPr lvl="1"/>
+            <a:r>
+              <a:rPr kumimoji="1" lang="ja-JP" altLang="en-US"/>
+              <a:t>第 </a:t>
+            </a:r>
+            <a:r>
+              <a:rPr kumimoji="1" lang="en-US" altLang="ja-JP"/>
+              <a:t>2 </a:t>
+            </a:r>
+            <a:r>
+              <a:rPr kumimoji="1" lang="ja-JP" altLang="en-US"/>
+              <a:t>レベル</a:t>
+            </a:r>
+          </a:p>
+          <a:p>
+            <a:pPr lvl="2"/>
+            <a:r>
+              <a:rPr kumimoji="1" lang="ja-JP" altLang="en-US"/>
+              <a:t>第 </a:t>
+            </a:r>
+            <a:r>
+              <a:rPr kumimoji="1" lang="en-US" altLang="ja-JP"/>
+              <a:t>3 </a:t>
+            </a:r>
+            <a:r>
+              <a:rPr kumimoji="1" lang="ja-JP" altLang="en-US"/>
+              <a:t>レベル</a:t>
+            </a:r>
+          </a:p>
+          <a:p>
+            <a:pPr lvl="3"/>
+            <a:r>
+              <a:rPr kumimoji="1" lang="ja-JP" altLang="en-US"/>
+              <a:t>第 </a:t>
+            </a:r>
+            <a:r>
+              <a:rPr kumimoji="1" lang="en-US" altLang="ja-JP"/>
+              <a:t>4 </a:t>
+            </a:r>
+            <a:r>
+              <a:rPr kumimoji="1" lang="ja-JP" altLang="en-US"/>
+              <a:t>レベル</a:t>
+            </a:r>
+          </a:p>
+          <a:p>
+            <a:pPr lvl="4"/>
+            <a:r>
+              <a:rPr kumimoji="1" lang="ja-JP" altLang="en-US"/>
+              <a:t>第 </a:t>
+            </a:r>
+            <a:r>
+              <a:rPr kumimoji="1" lang="en-US" altLang="ja-JP"/>
+              <a:t>5 </a:t>
+            </a:r>
+            <a:r>
+              <a:rPr kumimoji="1" lang="ja-JP" altLang="en-US"/>
+              <a:t>レベル</a:t>
+            </a:r>
+          </a:p>
+        </p:txBody>
+      </p:sp>
+      <p:sp>
+        <p:nvSpPr>
+          <p:cNvPr id="6" name="フッター プレースホルダー 5"/>
+          <p:cNvSpPr>
+            <a:spLocks noGrp="1"/>
+          </p:cNvSpPr>
+          <p:nvPr>
+            <p:ph type="ftr" sz="quarter" idx="4"/>
+          </p:nvPr>
+        </p:nvSpPr>
+        <p:spPr>
+          <a:xfrm>
+            <a:off x="0" y="8685213"/>
+            <a:ext cx="2971800" cy="458787"/>
+          </a:xfrm>
+          <a:prstGeom prst="rect">
+            <a:avLst/>
+          </a:prstGeom>
+        </p:spPr>
+        <p:txBody>
+          <a:bodyPr vert="horz" lIns="91440" tIns="45720" rIns="91440" bIns="45720" rtlCol="0" anchor="b"/>
+          <a:lstStyle>
+            <a:lvl1pPr algn="l">
+              <a:defRPr sz="1200"/>
+            </a:lvl1pPr>
+          </a:lstStyle>
+          <a:p>
+            <a:endParaRPr kumimoji="1" lang="ja-JP" altLang="en-US"/>
+          </a:p>
+        </p:txBody>
+      </p:sp>
+      <p:sp>
+        <p:nvSpPr>
+          <p:cNvPr id="7" name="スライド番号プレースホルダー 6"/>
+          <p:cNvSpPr>
+            <a:spLocks noGrp="1"/>
+          </p:cNvSpPr>
+          <p:nvPr>
+            <p:ph type="sldNum" sz="quarter" idx="5"/>
+          </p:nvPr>
+        </p:nvSpPr>
+        <p:spPr>
+          <a:xfrm>
+            <a:off x="3884613" y="8685213"/>
+            <a:ext cx="2971800" cy="458787"/>
+          </a:xfrm>
+          <a:prstGeom prst="rect">
+            <a:avLst/>
+          </a:prstGeom>
+        </p:spPr>
+        <p:txBody>
+          <a:bodyPr vert="horz" lIns="91440" tIns="45720" rIns="91440" bIns="45720" rtlCol="0" anchor="b"/>
+          <a:lstStyle>
+            <a:lvl1pPr algn="r">
+              <a:defRPr sz="1200"/>
+            </a:lvl1pPr>
+          </a:lstStyle>
+          <a:p>
+            <a:fld id="{B174A222-E768-495C-98C6-5433BF738BD6}" type="slidenum">
+              <a:rPr kumimoji="1" lang="ja-JP" altLang="en-US" smtClean="0"/>
+              <a:t>‹#›</a:t>
+            </a:fld>
+            <a:endParaRPr kumimoji="1" lang="ja-JP" altLang="en-US"/>
+          </a:p>
+        </p:txBody>
+      </p:sp>
+    </p:spTree>
+    <p:extLst>
+      <p:ext uri="{BB962C8B-B14F-4D97-AF65-F5344CB8AC3E}">
+        <p14:creationId xmlns:p14="http://schemas.microsoft.com/office/powerpoint/2010/main" val="2867758145"/>
+      </p:ext>
+    </p:extLst>
+  </p:cSld>
+  <p:clrMap bg1="lt1" tx1="dk1" bg2="lt2" tx2="dk2" accent1="accent1" accent2="accent2" accent3="accent3" accent4="accent4" accent5="accent5" accent6="accent6" hlink="hlink" folHlink="folHlink"/>
+  <p:notesStyle>
+    <a:lvl1pPr marL="0" algn="l" defTabSz="914400" rtl="0" eaLnBrk="1" latinLnBrk="0" hangingPunct="1">
+      <a:defRPr kumimoji="1" sz="1200" kern="1200">
+        <a:solidFill>
+          <a:schemeClr val="tx1"/>
+        </a:solidFill>
+        <a:latin typeface="+mn-lt"/>
+        <a:ea typeface="+mn-ea"/>
+        <a:cs typeface="+mn-cs"/>
+      </a:defRPr>
+    </a:lvl1pPr>
+    <a:lvl2pPr marL="457200" algn="l" defTabSz="914400" rtl="0" eaLnBrk="1" latinLnBrk="0" hangingPunct="1">
+      <a:defRPr kumimoji="1" sz="1200" kern="1200">
+        <a:solidFill>
+          <a:schemeClr val="tx1"/>
+        </a:solidFill>
+        <a:latin typeface="+mn-lt"/>
+        <a:ea typeface="+mn-ea"/>
+        <a:cs typeface="+mn-cs"/>
+      </a:defRPr>
+    </a:lvl2pPr>
+    <a:lvl3pPr marL="914400" algn="l" defTabSz="914400" rtl="0" eaLnBrk="1" latinLnBrk="0" hangingPunct="1">
+      <a:defRPr kumimoji="1" sz="1200" kern="1200">
+        <a:solidFill>
+          <a:schemeClr val="tx1"/>
+        </a:solidFill>
+        <a:latin typeface="+mn-lt"/>
+        <a:ea typeface="+mn-ea"/>
+        <a:cs typeface="+mn-cs"/>
+      </a:defRPr>
+    </a:lvl3pPr>
+    <a:lvl4pPr marL="1371600" algn="l" defTabSz="914400" rtl="0" eaLnBrk="1" latinLnBrk="0" hangingPunct="1">
+      <a:defRPr kumimoji="1" sz="1200" kern="1200">
+        <a:solidFill>
+          <a:schemeClr val="tx1"/>
+        </a:solidFill>
+        <a:latin typeface="+mn-lt"/>
+        <a:ea typeface="+mn-ea"/>
+        <a:cs typeface="+mn-cs"/>
+      </a:defRPr>
+    </a:lvl4pPr>
+    <a:lvl5pPr marL="1828800" algn="l" defTabSz="914400" rtl="0" eaLnBrk="1" latinLnBrk="0" hangingPunct="1">
+      <a:defRPr kumimoji="1" sz="1200" kern="1200">
+        <a:solidFill>
+          <a:schemeClr val="tx1"/>
+        </a:solidFill>
+        <a:latin typeface="+mn-lt"/>
+        <a:ea typeface="+mn-ea"/>
+        <a:cs typeface="+mn-cs"/>
+      </a:defRPr>
+    </a:lvl5pPr>
+    <a:lvl6pPr marL="2286000" algn="l" defTabSz="914400" rtl="0" eaLnBrk="1" latinLnBrk="0" hangingPunct="1">
+      <a:defRPr kumimoji="1" sz="1200" kern="1200">
+        <a:solidFill>
+          <a:schemeClr val="tx1"/>
+        </a:solidFill>
+        <a:latin typeface="+mn-lt"/>
+        <a:ea typeface="+mn-ea"/>
+        <a:cs typeface="+mn-cs"/>
+      </a:defRPr>
+    </a:lvl6pPr>
+    <a:lvl7pPr marL="2743200" algn="l" defTabSz="914400" rtl="0" eaLnBrk="1" latinLnBrk="0" hangingPunct="1">
+      <a:defRPr kumimoji="1" sz="1200" kern="1200">
+        <a:solidFill>
+          <a:schemeClr val="tx1"/>
+        </a:solidFill>
+        <a:latin typeface="+mn-lt"/>
+        <a:ea typeface="+mn-ea"/>
+        <a:cs typeface="+mn-cs"/>
+      </a:defRPr>
+    </a:lvl7pPr>
+    <a:lvl8pPr marL="3200400" algn="l" defTabSz="914400" rtl="0" eaLnBrk="1" latinLnBrk="0" hangingPunct="1">
+      <a:defRPr kumimoji="1" sz="1200" kern="1200">
+        <a:solidFill>
+          <a:schemeClr val="tx1"/>
+        </a:solidFill>
+        <a:latin typeface="+mn-lt"/>
+        <a:ea typeface="+mn-ea"/>
+        <a:cs typeface="+mn-cs"/>
+      </a:defRPr>
+    </a:lvl8pPr>
+    <a:lvl9pPr marL="3657600" algn="l" defTabSz="914400" rtl="0" eaLnBrk="1" latinLnBrk="0" hangingPunct="1">
+      <a:defRPr kumimoji="1" sz="1200" kern="1200">
+        <a:solidFill>
+          <a:schemeClr val="tx1"/>
+        </a:solidFill>
+        <a:latin typeface="+mn-lt"/>
+        <a:ea typeface="+mn-ea"/>
+        <a:cs typeface="+mn-cs"/>
+      </a:defRPr>
+    </a:lvl9pPr>
+  </p:notesStyle>
+</p:notesMaster>
+</file>
+
+<file path=ppt/notesSlides/notesSlide1.xml><?xml version="1.0" encoding="utf-8"?>
+<p:notes xmlns:a="http://schemas.openxmlformats.org/drawingml/2006/main" xmlns:r="http://schemas.openxmlformats.org/officeDocument/2006/relationships" xmlns:p="http://schemas.openxmlformats.org/presentationml/2006/main">
+  <p:cSld>
+    <p:spTree>
+      <p:nvGrpSpPr>
+        <p:cNvPr id="1" name=""/>
+        <p:cNvGrpSpPr/>
+        <p:nvPr/>
+      </p:nvGrpSpPr>
+      <p:grpSpPr>
+        <a:xfrm>
+          <a:off x="0" y="0"/>
+          <a:ext cx="0" cy="0"/>
+          <a:chOff x="0" y="0"/>
+          <a:chExt cx="0" cy="0"/>
+        </a:xfrm>
+      </p:grpSpPr>
+      <p:sp>
+        <p:nvSpPr>
+          <p:cNvPr id="2" name="スライド イメージ プレースホルダー 1"/>
+          <p:cNvSpPr>
+            <a:spLocks noGrp="1" noRot="1" noChangeAspect="1"/>
+          </p:cNvSpPr>
+          <p:nvPr>
+            <p:ph type="sldImg"/>
+          </p:nvPr>
+        </p:nvSpPr>
+        <p:spPr/>
+      </p:sp>
+      <p:sp>
+        <p:nvSpPr>
+          <p:cNvPr id="3" name="ノート プレースホルダー 2"/>
+          <p:cNvSpPr>
+            <a:spLocks noGrp="1"/>
+          </p:cNvSpPr>
+          <p:nvPr>
+            <p:ph type="body" idx="1"/>
+          </p:nvPr>
+        </p:nvSpPr>
+        <p:spPr/>
+        <p:txBody>
+          <a:bodyPr/>
+          <a:lstStyle/>
+          <a:p>
+            <a:r>
+              <a:rPr kumimoji="1" lang="en-US" altLang="ja-JP" dirty="0"/>
+              <a:t>Hello.</a:t>
+            </a:r>
+          </a:p>
+          <a:p>
+            <a:r>
+              <a:rPr kumimoji="1" lang="en-US" altLang="ja-JP" dirty="0"/>
+              <a:t>Now, Map application, Navigation and National </a:t>
+            </a:r>
+            <a:r>
+              <a:rPr kumimoji="1" lang="en-US" altLang="ja-JP" dirty="0" err="1"/>
+              <a:t>defence</a:t>
+            </a:r>
+            <a:r>
+              <a:rPr kumimoji="1" lang="en-US" altLang="ja-JP" dirty="0"/>
+              <a:t> etc., Navigation </a:t>
+            </a:r>
+            <a:r>
+              <a:rPr kumimoji="1" lang="en-US" altLang="ja-JP" dirty="0" err="1"/>
+              <a:t>Satelite</a:t>
+            </a:r>
+            <a:r>
+              <a:rPr kumimoji="1" lang="en-US" altLang="ja-JP" dirty="0"/>
+              <a:t> System is indispensable item.</a:t>
+            </a:r>
+          </a:p>
+          <a:p>
+            <a:r>
+              <a:rPr kumimoji="1" lang="en-US" altLang="ja-JP" dirty="0"/>
+              <a:t>So, I talk about </a:t>
+            </a:r>
+            <a:r>
+              <a:rPr kumimoji="1" lang="en-US" altLang="ja-JP" dirty="0" err="1"/>
+              <a:t>Japanses</a:t>
+            </a:r>
+            <a:r>
+              <a:rPr kumimoji="1" lang="en-US" altLang="ja-JP" dirty="0"/>
+              <a:t> NSS, </a:t>
+            </a:r>
+            <a:r>
+              <a:rPr kumimoji="1" lang="en-US" altLang="ja-JP" dirty="0" err="1"/>
+              <a:t>Michibiki</a:t>
+            </a:r>
+            <a:r>
+              <a:rPr kumimoji="1" lang="en-US" altLang="ja-JP" dirty="0"/>
+              <a:t>.</a:t>
+            </a:r>
+            <a:endParaRPr kumimoji="1" lang="ja-JP" altLang="en-US" dirty="0"/>
+          </a:p>
+        </p:txBody>
+      </p:sp>
+      <p:sp>
+        <p:nvSpPr>
+          <p:cNvPr id="4" name="スライド番号プレースホルダー 3"/>
+          <p:cNvSpPr>
+            <a:spLocks noGrp="1"/>
+          </p:cNvSpPr>
+          <p:nvPr>
+            <p:ph type="sldNum" sz="quarter" idx="10"/>
+          </p:nvPr>
+        </p:nvSpPr>
+        <p:spPr/>
+        <p:txBody>
+          <a:bodyPr/>
+          <a:lstStyle/>
+          <a:p>
+            <a:fld id="{B174A222-E768-495C-98C6-5433BF738BD6}" type="slidenum">
+              <a:rPr kumimoji="1" lang="ja-JP" altLang="en-US" smtClean="0"/>
+              <a:t>1</a:t>
+            </a:fld>
+            <a:endParaRPr kumimoji="1" lang="ja-JP" altLang="en-US"/>
+          </a:p>
+        </p:txBody>
+      </p:sp>
+    </p:spTree>
+    <p:extLst>
+      <p:ext uri="{BB962C8B-B14F-4D97-AF65-F5344CB8AC3E}">
+        <p14:creationId xmlns:p14="http://schemas.microsoft.com/office/powerpoint/2010/main" val="3582579316"/>
+      </p:ext>
+    </p:extLst>
+  </p:cSld>
+  <p:clrMapOvr>
+    <a:masterClrMapping/>
+  </p:clrMapOvr>
+</p:notes>
+</file>
+
+<file path=ppt/notesSlides/notesSlide2.xml><?xml version="1.0" encoding="utf-8"?>
+<p:notes xmlns:a="http://schemas.openxmlformats.org/drawingml/2006/main" xmlns:r="http://schemas.openxmlformats.org/officeDocument/2006/relationships" xmlns:p="http://schemas.openxmlformats.org/presentationml/2006/main">
+  <p:cSld>
+    <p:spTree>
+      <p:nvGrpSpPr>
+        <p:cNvPr id="1" name=""/>
+        <p:cNvGrpSpPr/>
+        <p:nvPr/>
+      </p:nvGrpSpPr>
+      <p:grpSpPr>
+        <a:xfrm>
+          <a:off x="0" y="0"/>
+          <a:ext cx="0" cy="0"/>
+          <a:chOff x="0" y="0"/>
+          <a:chExt cx="0" cy="0"/>
+        </a:xfrm>
+      </p:grpSpPr>
+      <p:sp>
+        <p:nvSpPr>
+          <p:cNvPr id="2" name="スライド イメージ プレースホルダー 1"/>
+          <p:cNvSpPr>
+            <a:spLocks noGrp="1" noRot="1" noChangeAspect="1"/>
+          </p:cNvSpPr>
+          <p:nvPr>
+            <p:ph type="sldImg"/>
+          </p:nvPr>
+        </p:nvSpPr>
+        <p:spPr/>
+      </p:sp>
+      <p:sp>
+        <p:nvSpPr>
+          <p:cNvPr id="3" name="ノート プレースホルダー 2"/>
+          <p:cNvSpPr>
+            <a:spLocks noGrp="1"/>
+          </p:cNvSpPr>
+          <p:nvPr>
+            <p:ph type="body" idx="1"/>
+          </p:nvPr>
+        </p:nvSpPr>
+        <p:spPr/>
+        <p:txBody>
+          <a:bodyPr/>
+          <a:lstStyle/>
+          <a:p>
+            <a:r>
+              <a:rPr kumimoji="1" lang="en-US" altLang="ja-JP" dirty="0"/>
+              <a:t>Do you know </a:t>
+            </a:r>
+            <a:r>
+              <a:rPr kumimoji="1" lang="en-US" altLang="ja-JP" dirty="0" err="1"/>
+              <a:t>Mitibiki</a:t>
+            </a:r>
+            <a:r>
+              <a:rPr kumimoji="1" lang="en-US" altLang="ja-JP" dirty="0"/>
+              <a:t>?</a:t>
+            </a:r>
+            <a:endParaRPr kumimoji="1" lang="ja-JP" altLang="en-US" dirty="0"/>
+          </a:p>
+        </p:txBody>
+      </p:sp>
+      <p:sp>
+        <p:nvSpPr>
+          <p:cNvPr id="4" name="スライド番号プレースホルダー 3"/>
+          <p:cNvSpPr>
+            <a:spLocks noGrp="1"/>
+          </p:cNvSpPr>
+          <p:nvPr>
+            <p:ph type="sldNum" sz="quarter" idx="10"/>
+          </p:nvPr>
+        </p:nvSpPr>
+        <p:spPr/>
+        <p:txBody>
+          <a:bodyPr/>
+          <a:lstStyle/>
+          <a:p>
+            <a:fld id="{B174A222-E768-495C-98C6-5433BF738BD6}" type="slidenum">
+              <a:rPr kumimoji="1" lang="ja-JP" altLang="en-US" smtClean="0"/>
+              <a:t>2</a:t>
+            </a:fld>
+            <a:endParaRPr kumimoji="1" lang="ja-JP" altLang="en-US"/>
+          </a:p>
+        </p:txBody>
+      </p:sp>
+    </p:spTree>
+    <p:extLst>
+      <p:ext uri="{BB962C8B-B14F-4D97-AF65-F5344CB8AC3E}">
+        <p14:creationId xmlns:p14="http://schemas.microsoft.com/office/powerpoint/2010/main" val="266558757"/>
+      </p:ext>
+    </p:extLst>
+  </p:cSld>
+  <p:clrMapOvr>
+    <a:masterClrMapping/>
+  </p:clrMapOvr>
+</p:notes>
+</file>
+
+<file path=ppt/notesSlides/notesSlide3.xml><?xml version="1.0" encoding="utf-8"?>
+<p:notes xmlns:a="http://schemas.openxmlformats.org/drawingml/2006/main" xmlns:r="http://schemas.openxmlformats.org/officeDocument/2006/relationships" xmlns:p="http://schemas.openxmlformats.org/presentationml/2006/main">
+  <p:cSld>
+    <p:spTree>
+      <p:nvGrpSpPr>
+        <p:cNvPr id="1" name=""/>
+        <p:cNvGrpSpPr/>
+        <p:nvPr/>
+      </p:nvGrpSpPr>
+      <p:grpSpPr>
+        <a:xfrm>
+          <a:off x="0" y="0"/>
+          <a:ext cx="0" cy="0"/>
+          <a:chOff x="0" y="0"/>
+          <a:chExt cx="0" cy="0"/>
+        </a:xfrm>
+      </p:grpSpPr>
+      <p:sp>
+        <p:nvSpPr>
+          <p:cNvPr id="2" name="スライド イメージ プレースホルダー 1"/>
+          <p:cNvSpPr>
+            <a:spLocks noGrp="1" noRot="1" noChangeAspect="1"/>
+          </p:cNvSpPr>
+          <p:nvPr>
+            <p:ph type="sldImg"/>
+          </p:nvPr>
+        </p:nvSpPr>
+        <p:spPr/>
+      </p:sp>
+      <p:sp>
+        <p:nvSpPr>
+          <p:cNvPr id="3" name="ノート プレースホルダー 2"/>
+          <p:cNvSpPr>
+            <a:spLocks noGrp="1"/>
+          </p:cNvSpPr>
+          <p:nvPr>
+            <p:ph type="body" idx="1"/>
+          </p:nvPr>
+        </p:nvSpPr>
+        <p:spPr/>
+        <p:txBody>
+          <a:bodyPr/>
+          <a:lstStyle/>
+          <a:p>
+            <a:r>
+              <a:rPr kumimoji="1" lang="en-US" altLang="ja-JP" dirty="0" err="1"/>
+              <a:t>Michibiki</a:t>
+            </a:r>
+            <a:r>
+              <a:rPr kumimoji="1" lang="en-US" altLang="ja-JP" dirty="0"/>
+              <a:t> is </a:t>
+            </a:r>
+            <a:r>
+              <a:rPr kumimoji="1" lang="en-US" altLang="ja-JP" dirty="0" err="1"/>
+              <a:t>Japanses</a:t>
+            </a:r>
+            <a:r>
+              <a:rPr kumimoji="1" lang="en-US" altLang="ja-JP" dirty="0"/>
+              <a:t> </a:t>
+            </a:r>
+            <a:r>
+              <a:rPr kumimoji="1" lang="en-US" altLang="ja-JP" dirty="0" err="1"/>
+              <a:t>Artifical</a:t>
+            </a:r>
+            <a:r>
+              <a:rPr kumimoji="1" lang="en-US" altLang="ja-JP" dirty="0"/>
+              <a:t> </a:t>
+            </a:r>
+            <a:r>
+              <a:rPr kumimoji="1" lang="en-US" altLang="ja-JP" dirty="0" err="1"/>
+              <a:t>Satelite</a:t>
+            </a:r>
+            <a:r>
+              <a:rPr kumimoji="1" lang="en-US" altLang="ja-JP" dirty="0"/>
+              <a:t>. The Cabinet Office government of Japan launched to construct a system of Quasi-Zenith </a:t>
+            </a:r>
+            <a:r>
+              <a:rPr kumimoji="1" lang="en-US" altLang="ja-JP" dirty="0" err="1"/>
+              <a:t>Satelite</a:t>
+            </a:r>
+            <a:r>
+              <a:rPr kumimoji="1" lang="en-US" altLang="ja-JP" dirty="0"/>
+              <a:t> System(QZSS).</a:t>
+            </a:r>
+          </a:p>
+          <a:p>
+            <a:r>
+              <a:rPr kumimoji="1" lang="en-US" altLang="ja-JP" dirty="0"/>
+              <a:t>Purpose of GPS is Complements GPS for </a:t>
+            </a:r>
+            <a:r>
+              <a:rPr kumimoji="1" lang="en-US" altLang="ja-JP" dirty="0" err="1"/>
+              <a:t>satelite</a:t>
+            </a:r>
+            <a:r>
+              <a:rPr kumimoji="1" lang="en-US" altLang="ja-JP" dirty="0"/>
+              <a:t> positioning, navigation and timing service that is more precise and </a:t>
+            </a:r>
+            <a:r>
+              <a:rPr kumimoji="1" lang="en-US" altLang="ja-JP" dirty="0" err="1"/>
+              <a:t>statble</a:t>
+            </a:r>
+            <a:r>
+              <a:rPr kumimoji="1" lang="en-US" altLang="ja-JP" dirty="0"/>
+              <a:t>.</a:t>
+            </a:r>
+          </a:p>
+        </p:txBody>
+      </p:sp>
+      <p:sp>
+        <p:nvSpPr>
+          <p:cNvPr id="4" name="スライド番号プレースホルダー 3"/>
+          <p:cNvSpPr>
+            <a:spLocks noGrp="1"/>
+          </p:cNvSpPr>
+          <p:nvPr>
+            <p:ph type="sldNum" sz="quarter" idx="10"/>
+          </p:nvPr>
+        </p:nvSpPr>
+        <p:spPr/>
+        <p:txBody>
+          <a:bodyPr/>
+          <a:lstStyle/>
+          <a:p>
+            <a:fld id="{B174A222-E768-495C-98C6-5433BF738BD6}" type="slidenum">
+              <a:rPr kumimoji="1" lang="ja-JP" altLang="en-US" smtClean="0"/>
+              <a:t>3</a:t>
+            </a:fld>
+            <a:endParaRPr kumimoji="1" lang="ja-JP" altLang="en-US"/>
+          </a:p>
+        </p:txBody>
+      </p:sp>
+    </p:spTree>
+    <p:extLst>
+      <p:ext uri="{BB962C8B-B14F-4D97-AF65-F5344CB8AC3E}">
+        <p14:creationId xmlns:p14="http://schemas.microsoft.com/office/powerpoint/2010/main" val="3768837144"/>
+      </p:ext>
+    </p:extLst>
+  </p:cSld>
+  <p:clrMapOvr>
+    <a:masterClrMapping/>
+  </p:clrMapOvr>
+</p:notes>
+</file>
+
+<file path=ppt/notesSlides/notesSlide4.xml><?xml version="1.0" encoding="utf-8"?>
+<p:notes xmlns:a="http://schemas.openxmlformats.org/drawingml/2006/main" xmlns:r="http://schemas.openxmlformats.org/officeDocument/2006/relationships" xmlns:p="http://schemas.openxmlformats.org/presentationml/2006/main">
+  <p:cSld>
+    <p:spTree>
+      <p:nvGrpSpPr>
+        <p:cNvPr id="1" name=""/>
+        <p:cNvGrpSpPr/>
+        <p:nvPr/>
+      </p:nvGrpSpPr>
+      <p:grpSpPr>
+        <a:xfrm>
+          <a:off x="0" y="0"/>
+          <a:ext cx="0" cy="0"/>
+          <a:chOff x="0" y="0"/>
+          <a:chExt cx="0" cy="0"/>
+        </a:xfrm>
+      </p:grpSpPr>
+      <p:sp>
+        <p:nvSpPr>
+          <p:cNvPr id="2" name="スライド イメージ プレースホルダー 1"/>
+          <p:cNvSpPr>
+            <a:spLocks noGrp="1" noRot="1" noChangeAspect="1"/>
+          </p:cNvSpPr>
+          <p:nvPr>
+            <p:ph type="sldImg"/>
+          </p:nvPr>
+        </p:nvSpPr>
+        <p:spPr/>
+      </p:sp>
+      <p:sp>
+        <p:nvSpPr>
+          <p:cNvPr id="3" name="ノート プレースホルダー 2"/>
+          <p:cNvSpPr>
+            <a:spLocks noGrp="1"/>
+          </p:cNvSpPr>
+          <p:nvPr>
+            <p:ph type="body" idx="1"/>
+          </p:nvPr>
+        </p:nvSpPr>
+        <p:spPr/>
+        <p:txBody>
+          <a:bodyPr/>
+          <a:lstStyle/>
+          <a:p>
+            <a:r>
+              <a:rPr kumimoji="1" lang="en-US" altLang="ja-JP" dirty="0"/>
+              <a:t>Please have a look at this chart.</a:t>
+            </a:r>
+          </a:p>
+          <a:p>
+            <a:r>
+              <a:rPr kumimoji="1" lang="en-US" altLang="ja-JP" dirty="0"/>
+              <a:t>This is Navigation </a:t>
+            </a:r>
+            <a:r>
+              <a:rPr kumimoji="1" lang="en-US" altLang="ja-JP" dirty="0" err="1"/>
+              <a:t>Satelite</a:t>
+            </a:r>
+            <a:r>
+              <a:rPr kumimoji="1" lang="en-US" altLang="ja-JP" dirty="0"/>
+              <a:t> System of World.</a:t>
+            </a:r>
+          </a:p>
+          <a:p>
+            <a:r>
+              <a:rPr kumimoji="1" lang="en-US" altLang="ja-JP" dirty="0"/>
+              <a:t>In 2011 the Government of Japan has decided to accelerate the QZSS deployment in order to reach a 4-satelites constellation by the late 2010s, while aiming at a final 7-satelites constellation in the future.</a:t>
+            </a:r>
+          </a:p>
+          <a:p>
+            <a:r>
+              <a:rPr kumimoji="1" lang="en-US" altLang="ja-JP" dirty="0"/>
+              <a:t>GPS Precision is about 10m. But </a:t>
+            </a:r>
+            <a:r>
+              <a:rPr kumimoji="1" lang="en-US" altLang="ja-JP" dirty="0" err="1"/>
+              <a:t>Michibiki</a:t>
+            </a:r>
+            <a:r>
+              <a:rPr kumimoji="1" lang="en-US" altLang="ja-JP" dirty="0"/>
+              <a:t> is a few cm.</a:t>
+            </a:r>
+          </a:p>
+          <a:p>
+            <a:r>
+              <a:rPr kumimoji="1" lang="en-US" altLang="ja-JP" dirty="0"/>
+              <a:t>Government of Japan aims improve of QZSS accuracy.</a:t>
+            </a:r>
+            <a:endParaRPr kumimoji="1" lang="ja-JP" altLang="en-US" dirty="0"/>
+          </a:p>
+        </p:txBody>
+      </p:sp>
+      <p:sp>
+        <p:nvSpPr>
+          <p:cNvPr id="4" name="スライド番号プレースホルダー 3"/>
+          <p:cNvSpPr>
+            <a:spLocks noGrp="1"/>
+          </p:cNvSpPr>
+          <p:nvPr>
+            <p:ph type="sldNum" sz="quarter" idx="10"/>
+          </p:nvPr>
+        </p:nvSpPr>
+        <p:spPr/>
+        <p:txBody>
+          <a:bodyPr/>
+          <a:lstStyle/>
+          <a:p>
+            <a:fld id="{B174A222-E768-495C-98C6-5433BF738BD6}" type="slidenum">
+              <a:rPr kumimoji="1" lang="ja-JP" altLang="en-US" smtClean="0"/>
+              <a:t>4</a:t>
+            </a:fld>
+            <a:endParaRPr kumimoji="1" lang="ja-JP" altLang="en-US"/>
+          </a:p>
+        </p:txBody>
+      </p:sp>
+    </p:spTree>
+    <p:extLst>
+      <p:ext uri="{BB962C8B-B14F-4D97-AF65-F5344CB8AC3E}">
+        <p14:creationId xmlns:p14="http://schemas.microsoft.com/office/powerpoint/2010/main" val="901360469"/>
+      </p:ext>
+    </p:extLst>
+  </p:cSld>
+  <p:clrMapOvr>
+    <a:masterClrMapping/>
+  </p:clrMapOvr>
+</p:notes>
+</file>
+
+<file path=ppt/notesSlides/notesSlide5.xml><?xml version="1.0" encoding="utf-8"?>
+<p:notes xmlns:a="http://schemas.openxmlformats.org/drawingml/2006/main" xmlns:r="http://schemas.openxmlformats.org/officeDocument/2006/relationships" xmlns:p="http://schemas.openxmlformats.org/presentationml/2006/main">
+  <p:cSld>
+    <p:spTree>
+      <p:nvGrpSpPr>
+        <p:cNvPr id="1" name=""/>
+        <p:cNvGrpSpPr/>
+        <p:nvPr/>
+      </p:nvGrpSpPr>
+      <p:grpSpPr>
+        <a:xfrm>
+          <a:off x="0" y="0"/>
+          <a:ext cx="0" cy="0"/>
+          <a:chOff x="0" y="0"/>
+          <a:chExt cx="0" cy="0"/>
+        </a:xfrm>
+      </p:grpSpPr>
+      <p:sp>
+        <p:nvSpPr>
+          <p:cNvPr id="2" name="スライド イメージ プレースホルダー 1"/>
+          <p:cNvSpPr>
+            <a:spLocks noGrp="1" noRot="1" noChangeAspect="1"/>
+          </p:cNvSpPr>
+          <p:nvPr>
+            <p:ph type="sldImg"/>
+          </p:nvPr>
+        </p:nvSpPr>
+        <p:spPr/>
+      </p:sp>
+      <p:sp>
+        <p:nvSpPr>
+          <p:cNvPr id="3" name="ノート プレースホルダー 2"/>
+          <p:cNvSpPr>
+            <a:spLocks noGrp="1"/>
+          </p:cNvSpPr>
+          <p:nvPr>
+            <p:ph type="body" idx="1"/>
+          </p:nvPr>
+        </p:nvSpPr>
+        <p:spPr/>
+        <p:txBody>
+          <a:bodyPr/>
+          <a:lstStyle/>
+          <a:p>
+            <a:r>
+              <a:rPr kumimoji="1" lang="en-US" altLang="ja-JP" dirty="0"/>
+              <a:t>The system has merit and demerit.</a:t>
+            </a:r>
+          </a:p>
+          <a:p>
+            <a:r>
+              <a:rPr kumimoji="1" lang="en-US" altLang="ja-JP" dirty="0"/>
+              <a:t>About merit. </a:t>
+            </a:r>
+          </a:p>
+          <a:p>
+            <a:r>
+              <a:rPr kumimoji="1" lang="en-US" altLang="ja-JP" dirty="0"/>
+              <a:t>Services have always been offered in a </a:t>
+            </a:r>
+            <a:r>
+              <a:rPr kumimoji="1" lang="en-US" altLang="ja-JP" dirty="0" err="1"/>
+              <a:t>statble</a:t>
+            </a:r>
+            <a:r>
+              <a:rPr kumimoji="1" lang="en-US" altLang="ja-JP" dirty="0"/>
+              <a:t> way. and Increasing the </a:t>
+            </a:r>
+            <a:r>
+              <a:rPr kumimoji="1" lang="en-US" altLang="ja-JP" dirty="0" err="1"/>
+              <a:t>nunber</a:t>
+            </a:r>
+            <a:r>
+              <a:rPr kumimoji="1" lang="en-US" altLang="ja-JP" dirty="0"/>
+              <a:t> of QZSS to improve positioning errors!</a:t>
+            </a:r>
+          </a:p>
+          <a:p>
+            <a:endParaRPr kumimoji="1" lang="en-US" altLang="ja-JP" dirty="0"/>
+          </a:p>
+          <a:p>
+            <a:r>
+              <a:rPr kumimoji="1" lang="en-US" altLang="ja-JP" dirty="0"/>
+              <a:t>But that has Demerit.</a:t>
+            </a:r>
+          </a:p>
+          <a:p>
+            <a:r>
+              <a:rPr kumimoji="1" lang="en-US" altLang="ja-JP" dirty="0"/>
+              <a:t>After all, very Expensive!</a:t>
+            </a:r>
+          </a:p>
+          <a:p>
+            <a:endParaRPr kumimoji="1" lang="ja-JP" altLang="en-US" dirty="0"/>
+          </a:p>
+        </p:txBody>
+      </p:sp>
+      <p:sp>
+        <p:nvSpPr>
+          <p:cNvPr id="4" name="スライド番号プレースホルダー 3"/>
+          <p:cNvSpPr>
+            <a:spLocks noGrp="1"/>
+          </p:cNvSpPr>
+          <p:nvPr>
+            <p:ph type="sldNum" sz="quarter" idx="10"/>
+          </p:nvPr>
+        </p:nvSpPr>
+        <p:spPr/>
+        <p:txBody>
+          <a:bodyPr/>
+          <a:lstStyle/>
+          <a:p>
+            <a:fld id="{B174A222-E768-495C-98C6-5433BF738BD6}" type="slidenum">
+              <a:rPr kumimoji="1" lang="ja-JP" altLang="en-US" smtClean="0"/>
+              <a:t>5</a:t>
+            </a:fld>
+            <a:endParaRPr kumimoji="1" lang="ja-JP" altLang="en-US"/>
+          </a:p>
+        </p:txBody>
+      </p:sp>
+    </p:spTree>
+    <p:extLst>
+      <p:ext uri="{BB962C8B-B14F-4D97-AF65-F5344CB8AC3E}">
+        <p14:creationId xmlns:p14="http://schemas.microsoft.com/office/powerpoint/2010/main" val="2897902664"/>
+      </p:ext>
+    </p:extLst>
+  </p:cSld>
+  <p:clrMapOvr>
+    <a:masterClrMapping/>
+  </p:clrMapOvr>
+</p:notes>
+</file>
+
+<file path=ppt/notesSlides/notesSlide6.xml><?xml version="1.0" encoding="utf-8"?>
+<p:notes xmlns:a="http://schemas.openxmlformats.org/drawingml/2006/main" xmlns:r="http://schemas.openxmlformats.org/officeDocument/2006/relationships" xmlns:p="http://schemas.openxmlformats.org/presentationml/2006/main">
+  <p:cSld>
+    <p:spTree>
+      <p:nvGrpSpPr>
+        <p:cNvPr id="1" name=""/>
+        <p:cNvGrpSpPr/>
+        <p:nvPr/>
+      </p:nvGrpSpPr>
+      <p:grpSpPr>
+        <a:xfrm>
+          <a:off x="0" y="0"/>
+          <a:ext cx="0" cy="0"/>
+          <a:chOff x="0" y="0"/>
+          <a:chExt cx="0" cy="0"/>
+        </a:xfrm>
+      </p:grpSpPr>
+      <p:sp>
+        <p:nvSpPr>
+          <p:cNvPr id="2" name="スライド イメージ プレースホルダー 1"/>
+          <p:cNvSpPr>
+            <a:spLocks noGrp="1" noRot="1" noChangeAspect="1"/>
+          </p:cNvSpPr>
+          <p:nvPr>
+            <p:ph type="sldImg"/>
+          </p:nvPr>
+        </p:nvSpPr>
+        <p:spPr/>
+      </p:sp>
+      <p:sp>
+        <p:nvSpPr>
+          <p:cNvPr id="3" name="ノート プレースホルダー 2"/>
+          <p:cNvSpPr>
+            <a:spLocks noGrp="1"/>
+          </p:cNvSpPr>
+          <p:nvPr>
+            <p:ph type="body" idx="1"/>
+          </p:nvPr>
+        </p:nvSpPr>
+        <p:spPr/>
+        <p:txBody>
+          <a:bodyPr/>
+          <a:lstStyle/>
+          <a:p>
+            <a:r>
+              <a:rPr kumimoji="1" lang="en-US" altLang="ja-JP" dirty="0"/>
+              <a:t>This system costs 3 hundred billion!</a:t>
+            </a:r>
+          </a:p>
+          <a:p>
+            <a:r>
+              <a:rPr kumimoji="1" lang="en-US" altLang="ja-JP" dirty="0"/>
+              <a:t>But this system will </a:t>
+            </a:r>
+            <a:r>
+              <a:rPr kumimoji="1" lang="en-US" altLang="ja-JP" dirty="0" err="1"/>
+              <a:t>givce</a:t>
+            </a:r>
+            <a:r>
+              <a:rPr kumimoji="1" lang="en-US" altLang="ja-JP" dirty="0"/>
+              <a:t> you a good life.</a:t>
+            </a:r>
+            <a:endParaRPr kumimoji="1" lang="ja-JP" altLang="en-US" dirty="0"/>
+          </a:p>
+        </p:txBody>
+      </p:sp>
+      <p:sp>
+        <p:nvSpPr>
+          <p:cNvPr id="4" name="スライド番号プレースホルダー 3"/>
+          <p:cNvSpPr>
+            <a:spLocks noGrp="1"/>
+          </p:cNvSpPr>
+          <p:nvPr>
+            <p:ph type="sldNum" sz="quarter" idx="10"/>
+          </p:nvPr>
+        </p:nvSpPr>
+        <p:spPr/>
+        <p:txBody>
+          <a:bodyPr/>
+          <a:lstStyle/>
+          <a:p>
+            <a:fld id="{B174A222-E768-495C-98C6-5433BF738BD6}" type="slidenum">
+              <a:rPr kumimoji="1" lang="ja-JP" altLang="en-US" smtClean="0"/>
+              <a:t>6</a:t>
+            </a:fld>
+            <a:endParaRPr kumimoji="1" lang="ja-JP" altLang="en-US"/>
+          </a:p>
+        </p:txBody>
+      </p:sp>
+    </p:spTree>
+    <p:extLst>
+      <p:ext uri="{BB962C8B-B14F-4D97-AF65-F5344CB8AC3E}">
+        <p14:creationId xmlns:p14="http://schemas.microsoft.com/office/powerpoint/2010/main" val="1116798606"/>
+      </p:ext>
+    </p:extLst>
+  </p:cSld>
+  <p:clrMapOvr>
+    <a:masterClrMapping/>
+  </p:clrMapOvr>
+</p:notes>
 </file>
 
 <file path=ppt/slideLayouts/slideLayout1.xml><?xml version="1.0" encoding="utf-8"?>
@@ -3634,7 +4771,7 @@
           <p:nvPr/>
         </p:nvPicPr>
         <p:blipFill>
-          <a:blip r:embed="rId2">
+          <a:blip r:embed="rId3">
             <a:extLst>
               <a:ext uri="{28A0092B-C50C-407E-A947-70E740481C1C}">
                 <a14:useLocalDpi xmlns:a14="http://schemas.microsoft.com/office/drawing/2010/main" val="0"/>
@@ -3700,7 +4837,7 @@
           <p:nvPr/>
         </p:nvPicPr>
         <p:blipFill>
-          <a:blip r:embed="rId2">
+          <a:blip r:embed="rId3">
             <a:extLst>
               <a:ext uri="{28A0092B-C50C-407E-A947-70E740481C1C}">
                 <a14:useLocalDpi xmlns:a14="http://schemas.microsoft.com/office/drawing/2010/main" val="0"/>
@@ -3766,7 +4903,7 @@
           <p:nvPr/>
         </p:nvPicPr>
         <p:blipFill>
-          <a:blip r:embed="rId2">
+          <a:blip r:embed="rId3">
             <a:extLst>
               <a:ext uri="{28A0092B-C50C-407E-A947-70E740481C1C}">
                 <a14:useLocalDpi xmlns:a14="http://schemas.microsoft.com/office/drawing/2010/main" val="0"/>
@@ -3832,7 +4969,7 @@
           <p:nvPr/>
         </p:nvPicPr>
         <p:blipFill>
-          <a:blip r:embed="rId2">
+          <a:blip r:embed="rId3">
             <a:extLst>
               <a:ext uri="{28A0092B-C50C-407E-A947-70E740481C1C}">
                 <a14:useLocalDpi xmlns:a14="http://schemas.microsoft.com/office/drawing/2010/main" val="0"/>
@@ -3898,7 +5035,7 @@
           <p:nvPr/>
         </p:nvPicPr>
         <p:blipFill>
-          <a:blip r:embed="rId2">
+          <a:blip r:embed="rId3">
             <a:extLst>
               <a:ext uri="{28A0092B-C50C-407E-A947-70E740481C1C}">
                 <a14:useLocalDpi xmlns:a14="http://schemas.microsoft.com/office/drawing/2010/main" val="0"/>
@@ -3964,7 +5101,7 @@
           <p:nvPr/>
         </p:nvPicPr>
         <p:blipFill>
-          <a:blip r:embed="rId2">
+          <a:blip r:embed="rId3">
             <a:extLst>
               <a:ext uri="{28A0092B-C50C-407E-A947-70E740481C1C}">
                 <a14:useLocalDpi xmlns:a14="http://schemas.microsoft.com/office/drawing/2010/main" val="0"/>
@@ -4357,4 +5494,299 @@
     </a:ext>
   </a:extLst>
 </a:theme>
+</file>
+
+<file path=ppt/theme/theme2.xml><?xml version="1.0" encoding="utf-8"?>
+<a:theme xmlns:a="http://schemas.openxmlformats.org/drawingml/2006/main" name="Office テーマ">
+  <a:themeElements>
+    <a:clrScheme name="Office">
+      <a:dk1>
+        <a:sysClr val="windowText" lastClr="000000"/>
+      </a:dk1>
+      <a:lt1>
+        <a:sysClr val="window" lastClr="FFFFFF"/>
+      </a:lt1>
+      <a:dk2>
+        <a:srgbClr val="44546A"/>
+      </a:dk2>
+      <a:lt2>
+        <a:srgbClr val="E7E6E6"/>
+      </a:lt2>
+      <a:accent1>
+        <a:srgbClr val="4472C4"/>
+      </a:accent1>
+      <a:accent2>
+        <a:srgbClr val="ED7D31"/>
+      </a:accent2>
+      <a:accent3>
+        <a:srgbClr val="A5A5A5"/>
+      </a:accent3>
+      <a:accent4>
+        <a:srgbClr val="FFC000"/>
+      </a:accent4>
+      <a:accent5>
+        <a:srgbClr val="5B9BD5"/>
+      </a:accent5>
+      <a:accent6>
+        <a:srgbClr val="70AD47"/>
+      </a:accent6>
+      <a:hlink>
+        <a:srgbClr val="0563C1"/>
+      </a:hlink>
+      <a:folHlink>
+        <a:srgbClr val="954F72"/>
+      </a:folHlink>
+    </a:clrScheme>
+    <a:fontScheme name="Office">
+      <a:majorFont>
+        <a:latin typeface="游ゴシック Light" panose="020F0302020204030204"/>
+        <a:ea typeface=""/>
+        <a:cs typeface=""/>
+        <a:font script="Jpan" typeface="游ゴシック Light"/>
+        <a:font script="Hang" typeface="맑은 고딕"/>
+        <a:font script="Hans" typeface="等线 Light"/>
+        <a:font script="Hant" typeface="新細明體"/>
+        <a:font script="Arab" typeface="Times New Roman"/>
+        <a:font script="Hebr" typeface="Times New Roman"/>
+        <a:font script="Thai" typeface="Angsana New"/>
+        <a:font script="Ethi" typeface="Nyala"/>
+        <a:font script="Beng" typeface="Vrinda"/>
+        <a:font script="Gujr" typeface="Shruti"/>
+        <a:font script="Khmr" typeface="MoolBoran"/>
+        <a:font script="Knda" typeface="Tunga"/>
+        <a:font script="Guru" typeface="Raavi"/>
+        <a:font script="Cans" typeface="Euphemia"/>
+        <a:font script="Cher" typeface="Plantagenet Cherokee"/>
+        <a:font script="Yiii" typeface="Microsoft Yi Baiti"/>
+        <a:font script="Tibt" typeface="Microsoft Himalaya"/>
+        <a:font script="Thaa" typeface="MV Boli"/>
+        <a:font script="Deva" typeface="Mangal"/>
+        <a:font script="Telu" typeface="Gautami"/>
+        <a:font script="Taml" typeface="Latha"/>
+        <a:font script="Syrc" typeface="Estrangelo Edessa"/>
+        <a:font script="Orya" typeface="Kalinga"/>
+        <a:font script="Mlym" typeface="Kartika"/>
+        <a:font script="Laoo" typeface="DokChampa"/>
+        <a:font script="Sinh" typeface="Iskoola Pota"/>
+        <a:font script="Mong" typeface="Mongolian Baiti"/>
+        <a:font script="Viet" typeface="Times New Roman"/>
+        <a:font script="Uigh" typeface="Microsoft Uighur"/>
+        <a:font script="Geor" typeface="Sylfaen"/>
+        <a:font script="Armn" typeface="Arial"/>
+        <a:font script="Bugi" typeface="Leelawadee UI"/>
+        <a:font script="Bopo" typeface="Microsoft JhengHei"/>
+        <a:font script="Java" typeface="Javanese Text"/>
+        <a:font script="Lisu" typeface="Segoe UI"/>
+        <a:font script="Mymr" typeface="Myanmar Text"/>
+        <a:font script="Nkoo" typeface="Ebrima"/>
+        <a:font script="Olck" typeface="Nirmala UI"/>
+        <a:font script="Osma" typeface="Ebrima"/>
+        <a:font script="Phag" typeface="Phagspa"/>
+        <a:font script="Syrn" typeface="Estrangelo Edessa"/>
+        <a:font script="Syrj" typeface="Estrangelo Edessa"/>
+        <a:font script="Syre" typeface="Estrangelo Edessa"/>
+        <a:font script="Sora" typeface="Nirmala UI"/>
+        <a:font script="Tale" typeface="Microsoft Tai Le"/>
+        <a:font script="Talu" typeface="Microsoft New Tai Lue"/>
+        <a:font script="Tfng" typeface="Ebrima"/>
+      </a:majorFont>
+      <a:minorFont>
+        <a:latin typeface="游ゴシック" panose="020F0502020204030204"/>
+        <a:ea typeface=""/>
+        <a:cs typeface=""/>
+        <a:font script="Jpan" typeface="游ゴシック"/>
+        <a:font script="Hang" typeface="맑은 고딕"/>
+        <a:font script="Hans" typeface="等线"/>
+        <a:font script="Hant" typeface="新細明體"/>
+        <a:font script="Arab" typeface="Arial"/>
+        <a:font script="Hebr" typeface="Arial"/>
+        <a:font script="Thai" typeface="Cordia New"/>
+        <a:font script="Ethi" typeface="Nyala"/>
+        <a:font script="Beng" typeface="Vrinda"/>
+        <a:font script="Gujr" typeface="Shruti"/>
+        <a:font script="Khmr" typeface="DaunPenh"/>
+        <a:font script="Knda" typeface="Tunga"/>
+        <a:font script="Guru" typeface="Raavi"/>
+        <a:font script="Cans" typeface="Euphemia"/>
+        <a:font script="Cher" typeface="Plantagenet Cherokee"/>
+        <a:font script="Yiii" typeface="Microsoft Yi Baiti"/>
+        <a:font script="Tibt" typeface="Microsoft Himalaya"/>
+        <a:font script="Thaa" typeface="MV Boli"/>
+        <a:font script="Deva" typeface="Mangal"/>
+        <a:font script="Telu" typeface="Gautami"/>
+        <a:font script="Taml" typeface="Latha"/>
+        <a:font script="Syrc" typeface="Estrangelo Edessa"/>
+        <a:font script="Orya" typeface="Kalinga"/>
+        <a:font script="Mlym" typeface="Kartika"/>
+        <a:font script="Laoo" typeface="DokChampa"/>
+        <a:font script="Sinh" typeface="Iskoola Pota"/>
+        <a:font script="Mong" typeface="Mongolian Baiti"/>
+        <a:font script="Viet" typeface="Arial"/>
+        <a:font script="Uigh" typeface="Microsoft Uighur"/>
+        <a:font script="Geor" typeface="Sylfaen"/>
+        <a:font script="Armn" typeface="Arial"/>
+        <a:font script="Bugi" typeface="Leelawadee UI"/>
+        <a:font script="Bopo" typeface="Microsoft JhengHei"/>
+        <a:font script="Java" typeface="Javanese Text"/>
+        <a:font script="Lisu" typeface="Segoe UI"/>
+        <a:font script="Mymr" typeface="Myanmar Text"/>
+        <a:font script="Nkoo" typeface="Ebrima"/>
+        <a:font script="Olck" typeface="Nirmala UI"/>
+        <a:font script="Osma" typeface="Ebrima"/>
+        <a:font script="Phag" typeface="Phagspa"/>
+        <a:font script="Syrn" typeface="Estrangelo Edessa"/>
+        <a:font script="Syrj" typeface="Estrangelo Edessa"/>
+        <a:font script="Syre" typeface="Estrangelo Edessa"/>
+        <a:font script="Sora" typeface="Nirmala UI"/>
+        <a:font script="Tale" typeface="Microsoft Tai Le"/>
+        <a:font script="Talu" typeface="Microsoft New Tai Lue"/>
+        <a:font script="Tfng" typeface="Ebrima"/>
+      </a:minorFont>
+    </a:fontScheme>
+    <a:fmtScheme name="Office">
+      <a:fillStyleLst>
+        <a:solidFill>
+          <a:schemeClr val="phClr"/>
+        </a:solidFill>
+        <a:gradFill rotWithShape="1">
+          <a:gsLst>
+            <a:gs pos="0">
+              <a:schemeClr val="phClr">
+                <a:lumMod val="110000"/>
+                <a:satMod val="105000"/>
+                <a:tint val="67000"/>
+              </a:schemeClr>
+            </a:gs>
+            <a:gs pos="50000">
+              <a:schemeClr val="phClr">
+                <a:lumMod val="105000"/>
+                <a:satMod val="103000"/>
+                <a:tint val="73000"/>
+              </a:schemeClr>
+            </a:gs>
+            <a:gs pos="100000">
+              <a:schemeClr val="phClr">
+                <a:lumMod val="105000"/>
+                <a:satMod val="109000"/>
+                <a:tint val="81000"/>
+              </a:schemeClr>
+            </a:gs>
+          </a:gsLst>
+          <a:lin ang="5400000" scaled="0"/>
+        </a:gradFill>
+        <a:gradFill rotWithShape="1">
+          <a:gsLst>
+            <a:gs pos="0">
+              <a:schemeClr val="phClr">
+                <a:satMod val="103000"/>
+                <a:lumMod val="102000"/>
+                <a:tint val="94000"/>
+              </a:schemeClr>
+            </a:gs>
+            <a:gs pos="50000">
+              <a:schemeClr val="phClr">
+                <a:satMod val="110000"/>
+                <a:lumMod val="100000"/>
+                <a:shade val="100000"/>
+              </a:schemeClr>
+            </a:gs>
+            <a:gs pos="100000">
+              <a:schemeClr val="phClr">
+                <a:lumMod val="99000"/>
+                <a:satMod val="120000"/>
+                <a:shade val="78000"/>
+              </a:schemeClr>
+            </a:gs>
+          </a:gsLst>
+          <a:lin ang="5400000" scaled="0"/>
+        </a:gradFill>
+      </a:fillStyleLst>
+      <a:lnStyleLst>
+        <a:ln w="6350" cap="flat" cmpd="sng" algn="ctr">
+          <a:solidFill>
+            <a:schemeClr val="phClr"/>
+          </a:solidFill>
+          <a:prstDash val="solid"/>
+          <a:miter lim="800000"/>
+        </a:ln>
+        <a:ln w="12700" cap="flat" cmpd="sng" algn="ctr">
+          <a:solidFill>
+            <a:schemeClr val="phClr"/>
+          </a:solidFill>
+          <a:prstDash val="solid"/>
+          <a:miter lim="800000"/>
+        </a:ln>
+        <a:ln w="19050" cap="flat" cmpd="sng" algn="ctr">
+          <a:solidFill>
+            <a:schemeClr val="phClr"/>
+          </a:solidFill>
+          <a:prstDash val="solid"/>
+          <a:miter lim="800000"/>
+        </a:ln>
+      </a:lnStyleLst>
+      <a:effectStyleLst>
+        <a:effectStyle>
+          <a:effectLst/>
+        </a:effectStyle>
+        <a:effectStyle>
+          <a:effectLst/>
+        </a:effectStyle>
+        <a:effectStyle>
+          <a:effectLst>
+            <a:outerShdw blurRad="57150" dist="19050" dir="5400000" algn="ctr" rotWithShape="0">
+              <a:srgbClr val="000000">
+                <a:alpha val="63000"/>
+              </a:srgbClr>
+            </a:outerShdw>
+          </a:effectLst>
+        </a:effectStyle>
+      </a:effectStyleLst>
+      <a:bgFillStyleLst>
+        <a:solidFill>
+          <a:schemeClr val="phClr"/>
+        </a:solidFill>
+        <a:solidFill>
+          <a:schemeClr val="phClr">
+            <a:tint val="95000"/>
+            <a:satMod val="170000"/>
+          </a:schemeClr>
+        </a:solidFill>
+        <a:gradFill rotWithShape="1">
+          <a:gsLst>
+            <a:gs pos="0">
+              <a:schemeClr val="phClr">
+                <a:tint val="93000"/>
+                <a:satMod val="150000"/>
+                <a:shade val="98000"/>
+                <a:lumMod val="102000"/>
+              </a:schemeClr>
+            </a:gs>
+            <a:gs pos="50000">
+              <a:schemeClr val="phClr">
+                <a:tint val="98000"/>
+                <a:satMod val="130000"/>
+                <a:shade val="90000"/>
+                <a:lumMod val="103000"/>
+              </a:schemeClr>
+            </a:gs>
+            <a:gs pos="100000">
+              <a:schemeClr val="phClr">
+                <a:shade val="63000"/>
+                <a:satMod val="120000"/>
+              </a:schemeClr>
+            </a:gs>
+          </a:gsLst>
+          <a:lin ang="5400000" scaled="0"/>
+        </a:gradFill>
+      </a:bgFillStyleLst>
+    </a:fmtScheme>
+  </a:themeElements>
+  <a:objectDefaults/>
+  <a:extraClrSchemeLst/>
+  <a:extLst>
+    <a:ext uri="{05A4C25C-085E-4340-85A3-A5531E510DB2}">
+      <thm15:themeFamily xmlns:thm15="http://schemas.microsoft.com/office/thememl/2012/main" name="Office Theme" id="{62F939B6-93AF-4DB8-9C6B-D6C7DFDC589F}" vid="{4A3C46E8-61CC-4603-A589-7422A47A8E4A}"/>
+    </a:ext>
+  </a:extLst>
+</a:theme>
 </file>
--- a/submit/submit.pptx
+++ b/submit/submit.pptx
@@ -7,6 +7,9 @@
   <p:notesMasterIdLst>
     <p:notesMasterId r:id="rId9"/>
   </p:notesMasterIdLst>
+  <p:handoutMasterIdLst>
+    <p:handoutMasterId r:id="rId10"/>
+  </p:handoutMasterIdLst>
   <p:sldIdLst>
     <p:sldId id="256" r:id="rId2"/>
     <p:sldId id="257" r:id="rId3"/>
@@ -17,7 +20,7 @@
     <p:sldId id="262" r:id="rId8"/>
   </p:sldIdLst>
   <p:sldSz cx="12192000" cy="6858000"/>
-  <p:notesSz cx="6858000" cy="9144000"/>
+  <p:notesSz cx="6888163" cy="10020300"/>
   <p:defaultTextStyle>
     <a:defPPr>
       <a:defRPr lang="ja-JP"/>
@@ -137,6 +140,195 @@
 <p1510:revInfo xmlns:a="http://schemas.openxmlformats.org/drawingml/2006/main" xmlns:r="http://schemas.openxmlformats.org/officeDocument/2006/relationships" xmlns:p1510="http://schemas.microsoft.com/office/powerpoint/2015/10/main"/>
 </file>
 
+<file path=ppt/handoutMasters/handoutMaster1.xml><?xml version="1.0" encoding="utf-8"?>
+<p:handoutMaster xmlns:a="http://schemas.openxmlformats.org/drawingml/2006/main" xmlns:r="http://schemas.openxmlformats.org/officeDocument/2006/relationships" xmlns:p="http://schemas.openxmlformats.org/presentationml/2006/main">
+  <p:cSld>
+    <p:bg>
+      <p:bgRef idx="1001">
+        <a:schemeClr val="bg1"/>
+      </p:bgRef>
+    </p:bg>
+    <p:spTree>
+      <p:nvGrpSpPr>
+        <p:cNvPr id="1" name=""/>
+        <p:cNvGrpSpPr/>
+        <p:nvPr/>
+      </p:nvGrpSpPr>
+      <p:grpSpPr>
+        <a:xfrm>
+          <a:off x="0" y="0"/>
+          <a:ext cx="0" cy="0"/>
+          <a:chOff x="0" y="0"/>
+          <a:chExt cx="0" cy="0"/>
+        </a:xfrm>
+      </p:grpSpPr>
+      <p:sp>
+        <p:nvSpPr>
+          <p:cNvPr id="2" name="ヘッダー プレースホルダー 1">
+            <a:extLst>
+              <a:ext uri="{FF2B5EF4-FFF2-40B4-BE49-F238E27FC236}">
+                <a16:creationId xmlns:a16="http://schemas.microsoft.com/office/drawing/2014/main" id="{1E96BA48-DD5E-4D27-BDFE-9B0E44CB6854}"/>
+              </a:ext>
+            </a:extLst>
+          </p:cNvPr>
+          <p:cNvSpPr>
+            <a:spLocks noGrp="1"/>
+          </p:cNvSpPr>
+          <p:nvPr>
+            <p:ph type="hdr" sz="quarter"/>
+          </p:nvPr>
+        </p:nvSpPr>
+        <p:spPr>
+          <a:xfrm>
+            <a:off x="1" y="0"/>
+            <a:ext cx="2984871" cy="502755"/>
+          </a:xfrm>
+          <a:prstGeom prst="rect">
+            <a:avLst/>
+          </a:prstGeom>
+        </p:spPr>
+        <p:txBody>
+          <a:bodyPr vert="horz" lIns="96616" tIns="48308" rIns="96616" bIns="48308" rtlCol="0"/>
+          <a:lstStyle>
+            <a:lvl1pPr algn="l">
+              <a:defRPr sz="1300"/>
+            </a:lvl1pPr>
+          </a:lstStyle>
+          <a:p>
+            <a:endParaRPr kumimoji="1" lang="ja-JP" altLang="en-US"/>
+          </a:p>
+        </p:txBody>
+      </p:sp>
+      <p:sp>
+        <p:nvSpPr>
+          <p:cNvPr id="3" name="日付プレースホルダー 2">
+            <a:extLst>
+              <a:ext uri="{FF2B5EF4-FFF2-40B4-BE49-F238E27FC236}">
+                <a16:creationId xmlns:a16="http://schemas.microsoft.com/office/drawing/2014/main" id="{D0E70C8B-DBE3-46B2-AC61-F339D62C8A91}"/>
+              </a:ext>
+            </a:extLst>
+          </p:cNvPr>
+          <p:cNvSpPr>
+            <a:spLocks noGrp="1"/>
+          </p:cNvSpPr>
+          <p:nvPr>
+            <p:ph type="dt" sz="quarter" idx="1"/>
+          </p:nvPr>
+        </p:nvSpPr>
+        <p:spPr>
+          <a:xfrm>
+            <a:off x="3901699" y="0"/>
+            <a:ext cx="2984871" cy="502755"/>
+          </a:xfrm>
+          <a:prstGeom prst="rect">
+            <a:avLst/>
+          </a:prstGeom>
+        </p:spPr>
+        <p:txBody>
+          <a:bodyPr vert="horz" lIns="96616" tIns="48308" rIns="96616" bIns="48308" rtlCol="0"/>
+          <a:lstStyle>
+            <a:lvl1pPr algn="r">
+              <a:defRPr sz="1300"/>
+            </a:lvl1pPr>
+          </a:lstStyle>
+          <a:p>
+            <a:fld id="{8F6A9515-2CC4-47C1-A8E3-466F149E7FB0}" type="datetimeFigureOut">
+              <a:rPr kumimoji="1" lang="ja-JP" altLang="en-US" smtClean="0"/>
+              <a:t>2018/7/5</a:t>
+            </a:fld>
+            <a:endParaRPr kumimoji="1" lang="ja-JP" altLang="en-US"/>
+          </a:p>
+        </p:txBody>
+      </p:sp>
+      <p:sp>
+        <p:nvSpPr>
+          <p:cNvPr id="4" name="フッター プレースホルダー 3">
+            <a:extLst>
+              <a:ext uri="{FF2B5EF4-FFF2-40B4-BE49-F238E27FC236}">
+                <a16:creationId xmlns:a16="http://schemas.microsoft.com/office/drawing/2014/main" id="{F5A32106-09F3-4DE9-8D80-FB3757342347}"/>
+              </a:ext>
+            </a:extLst>
+          </p:cNvPr>
+          <p:cNvSpPr>
+            <a:spLocks noGrp="1"/>
+          </p:cNvSpPr>
+          <p:nvPr>
+            <p:ph type="ftr" sz="quarter" idx="2"/>
+          </p:nvPr>
+        </p:nvSpPr>
+        <p:spPr>
+          <a:xfrm>
+            <a:off x="1" y="9517547"/>
+            <a:ext cx="2984871" cy="502755"/>
+          </a:xfrm>
+          <a:prstGeom prst="rect">
+            <a:avLst/>
+          </a:prstGeom>
+        </p:spPr>
+        <p:txBody>
+          <a:bodyPr vert="horz" lIns="96616" tIns="48308" rIns="96616" bIns="48308" rtlCol="0" anchor="b"/>
+          <a:lstStyle>
+            <a:lvl1pPr algn="l">
+              <a:defRPr sz="1300"/>
+            </a:lvl1pPr>
+          </a:lstStyle>
+          <a:p>
+            <a:endParaRPr kumimoji="1" lang="ja-JP" altLang="en-US"/>
+          </a:p>
+        </p:txBody>
+      </p:sp>
+      <p:sp>
+        <p:nvSpPr>
+          <p:cNvPr id="5" name="スライド番号プレースホルダー 4">
+            <a:extLst>
+              <a:ext uri="{FF2B5EF4-FFF2-40B4-BE49-F238E27FC236}">
+                <a16:creationId xmlns:a16="http://schemas.microsoft.com/office/drawing/2014/main" id="{F1B6C302-9357-41A7-952A-D297D94D8BCD}"/>
+              </a:ext>
+            </a:extLst>
+          </p:cNvPr>
+          <p:cNvSpPr>
+            <a:spLocks noGrp="1"/>
+          </p:cNvSpPr>
+          <p:nvPr>
+            <p:ph type="sldNum" sz="quarter" idx="3"/>
+          </p:nvPr>
+        </p:nvSpPr>
+        <p:spPr>
+          <a:xfrm>
+            <a:off x="3901699" y="9517547"/>
+            <a:ext cx="2984871" cy="502755"/>
+          </a:xfrm>
+          <a:prstGeom prst="rect">
+            <a:avLst/>
+          </a:prstGeom>
+        </p:spPr>
+        <p:txBody>
+          <a:bodyPr vert="horz" lIns="96616" tIns="48308" rIns="96616" bIns="48308" rtlCol="0" anchor="b"/>
+          <a:lstStyle>
+            <a:lvl1pPr algn="r">
+              <a:defRPr sz="1300"/>
+            </a:lvl1pPr>
+          </a:lstStyle>
+          <a:p>
+            <a:fld id="{B5CA6950-BD8D-4D51-8A9A-17DB258DCE35}" type="slidenum">
+              <a:rPr kumimoji="1" lang="ja-JP" altLang="en-US" smtClean="0"/>
+              <a:t>‹#›</a:t>
+            </a:fld>
+            <a:endParaRPr kumimoji="1" lang="ja-JP" altLang="en-US"/>
+          </a:p>
+        </p:txBody>
+      </p:sp>
+    </p:spTree>
+    <p:extLst>
+      <p:ext uri="{BB962C8B-B14F-4D97-AF65-F5344CB8AC3E}">
+        <p14:creationId xmlns:p14="http://schemas.microsoft.com/office/powerpoint/2010/main" val="237521515"/>
+      </p:ext>
+    </p:extLst>
+  </p:cSld>
+  <p:clrMap bg1="lt1" tx1="dk1" bg2="lt2" tx2="dk2" accent1="accent1" accent2="accent2" accent3="accent3" accent4="accent4" accent5="accent5" accent6="accent6" hlink="hlink" folHlink="folHlink"/>
+</p:handoutMaster>
+</file>
+
 <file path=ppt/notesMasters/notesMaster1.xml><?xml version="1.0" encoding="utf-8"?>
 <p:notesMaster xmlns:a="http://schemas.openxmlformats.org/drawingml/2006/main" xmlns:r="http://schemas.openxmlformats.org/officeDocument/2006/relationships" xmlns:p="http://schemas.openxmlformats.org/presentationml/2006/main">
   <p:cSld>
@@ -171,18 +363,18 @@
         </p:nvSpPr>
         <p:spPr>
           <a:xfrm>
-            <a:off x="0" y="0"/>
-            <a:ext cx="2971800" cy="458788"/>
+            <a:off x="1" y="0"/>
+            <a:ext cx="2984871" cy="502755"/>
           </a:xfrm>
           <a:prstGeom prst="rect">
             <a:avLst/>
           </a:prstGeom>
         </p:spPr>
         <p:txBody>
-          <a:bodyPr vert="horz" lIns="91440" tIns="45720" rIns="91440" bIns="45720" rtlCol="0"/>
+          <a:bodyPr vert="horz" lIns="96616" tIns="48308" rIns="96616" bIns="48308" rtlCol="0"/>
           <a:lstStyle>
             <a:lvl1pPr algn="l">
-              <a:defRPr sz="1200"/>
+              <a:defRPr sz="1300"/>
             </a:lvl1pPr>
           </a:lstStyle>
           <a:p>
@@ -202,24 +394,24 @@
         </p:nvSpPr>
         <p:spPr>
           <a:xfrm>
-            <a:off x="3884613" y="0"/>
-            <a:ext cx="2971800" cy="458788"/>
+            <a:off x="3901699" y="0"/>
+            <a:ext cx="2984871" cy="502755"/>
           </a:xfrm>
           <a:prstGeom prst="rect">
             <a:avLst/>
           </a:prstGeom>
         </p:spPr>
         <p:txBody>
-          <a:bodyPr vert="horz" lIns="91440" tIns="45720" rIns="91440" bIns="45720" rtlCol="0"/>
+          <a:bodyPr vert="horz" lIns="96616" tIns="48308" rIns="96616" bIns="48308" rtlCol="0"/>
           <a:lstStyle>
             <a:lvl1pPr algn="r">
-              <a:defRPr sz="1200"/>
+              <a:defRPr sz="1300"/>
             </a:lvl1pPr>
           </a:lstStyle>
           <a:p>
             <a:fld id="{577E3844-2D7E-4C55-BB3A-F794B3A19C48}" type="datetimeFigureOut">
               <a:rPr kumimoji="1" lang="ja-JP" altLang="en-US" smtClean="0"/>
-              <a:t>2018/7/4</a:t>
+              <a:t>2018/7/5</a:t>
             </a:fld>
             <a:endParaRPr kumimoji="1" lang="ja-JP" altLang="en-US"/>
           </a:p>
@@ -237,8 +429,8 @@
         </p:nvSpPr>
         <p:spPr>
           <a:xfrm>
-            <a:off x="685800" y="1143000"/>
-            <a:ext cx="5486400" cy="3086100"/>
+            <a:off x="436563" y="1250950"/>
+            <a:ext cx="6015037" cy="3384550"/>
           </a:xfrm>
           <a:prstGeom prst="rect">
             <a:avLst/>
@@ -251,7 +443,7 @@
           </a:ln>
         </p:spPr>
         <p:txBody>
-          <a:bodyPr vert="horz" lIns="91440" tIns="45720" rIns="91440" bIns="45720" rtlCol="0" anchor="ctr"/>
+          <a:bodyPr vert="horz" lIns="96616" tIns="48308" rIns="96616" bIns="48308" rtlCol="0" anchor="ctr"/>
           <a:lstStyle/>
           <a:p>
             <a:endParaRPr lang="ja-JP" altLang="en-US"/>
@@ -270,15 +462,15 @@
         </p:nvSpPr>
         <p:spPr>
           <a:xfrm>
-            <a:off x="685800" y="4400550"/>
-            <a:ext cx="5486400" cy="3600450"/>
+            <a:off x="688817" y="4822270"/>
+            <a:ext cx="5510530" cy="3945493"/>
           </a:xfrm>
           <a:prstGeom prst="rect">
             <a:avLst/>
           </a:prstGeom>
         </p:spPr>
         <p:txBody>
-          <a:bodyPr vert="horz" lIns="91440" tIns="45720" rIns="91440" bIns="45720" rtlCol="0"/>
+          <a:bodyPr vert="horz" lIns="96616" tIns="48308" rIns="96616" bIns="48308" rtlCol="0"/>
           <a:lstStyle/>
           <a:p>
             <a:pPr lvl="0"/>
@@ -361,18 +553,18 @@
         </p:nvSpPr>
         <p:spPr>
           <a:xfrm>
-            <a:off x="0" y="8685213"/>
-            <a:ext cx="2971800" cy="458787"/>
+            <a:off x="1" y="9517547"/>
+            <a:ext cx="2984871" cy="502755"/>
           </a:xfrm>
           <a:prstGeom prst="rect">
             <a:avLst/>
           </a:prstGeom>
         </p:spPr>
         <p:txBody>
-          <a:bodyPr vert="horz" lIns="91440" tIns="45720" rIns="91440" bIns="45720" rtlCol="0" anchor="b"/>
+          <a:bodyPr vert="horz" lIns="96616" tIns="48308" rIns="96616" bIns="48308" rtlCol="0" anchor="b"/>
           <a:lstStyle>
             <a:lvl1pPr algn="l">
-              <a:defRPr sz="1200"/>
+              <a:defRPr sz="1300"/>
             </a:lvl1pPr>
           </a:lstStyle>
           <a:p>
@@ -392,18 +584,18 @@
         </p:nvSpPr>
         <p:spPr>
           <a:xfrm>
-            <a:off x="3884613" y="8685213"/>
-            <a:ext cx="2971800" cy="458787"/>
+            <a:off x="3901699" y="9517547"/>
+            <a:ext cx="2984871" cy="502755"/>
           </a:xfrm>
           <a:prstGeom prst="rect">
             <a:avLst/>
           </a:prstGeom>
         </p:spPr>
         <p:txBody>
-          <a:bodyPr vert="horz" lIns="91440" tIns="45720" rIns="91440" bIns="45720" rtlCol="0" anchor="b"/>
+          <a:bodyPr vert="horz" lIns="96616" tIns="48308" rIns="96616" bIns="48308" rtlCol="0" anchor="b"/>
           <a:lstStyle>
             <a:lvl1pPr algn="r">
-              <a:defRPr sz="1200"/>
+              <a:defRPr sz="1300"/>
             </a:lvl1pPr>
           </a:lstStyle>
           <a:p>
@@ -1254,6 +1446,94 @@
 </p:notes>
 </file>
 
+<file path=ppt/notesSlides/notesSlide7.xml><?xml version="1.0" encoding="utf-8"?>
+<p:notes xmlns:a="http://schemas.openxmlformats.org/drawingml/2006/main" xmlns:r="http://schemas.openxmlformats.org/officeDocument/2006/relationships" xmlns:p="http://schemas.openxmlformats.org/presentationml/2006/main">
+  <p:cSld>
+    <p:spTree>
+      <p:nvGrpSpPr>
+        <p:cNvPr id="1" name=""/>
+        <p:cNvGrpSpPr/>
+        <p:nvPr/>
+      </p:nvGrpSpPr>
+      <p:grpSpPr>
+        <a:xfrm>
+          <a:off x="0" y="0"/>
+          <a:ext cx="0" cy="0"/>
+          <a:chOff x="0" y="0"/>
+          <a:chExt cx="0" cy="0"/>
+        </a:xfrm>
+      </p:grpSpPr>
+      <p:sp>
+        <p:nvSpPr>
+          <p:cNvPr id="2" name="スライド イメージ プレースホルダー 1"/>
+          <p:cNvSpPr>
+            <a:spLocks noGrp="1" noRot="1" noChangeAspect="1"/>
+          </p:cNvSpPr>
+          <p:nvPr>
+            <p:ph type="sldImg"/>
+          </p:nvPr>
+        </p:nvSpPr>
+        <p:spPr/>
+      </p:sp>
+      <p:sp>
+        <p:nvSpPr>
+          <p:cNvPr id="3" name="ノート プレースホルダー 2"/>
+          <p:cNvSpPr>
+            <a:spLocks noGrp="1"/>
+          </p:cNvSpPr>
+          <p:nvPr>
+            <p:ph type="body" idx="1"/>
+          </p:nvPr>
+        </p:nvSpPr>
+        <p:spPr/>
+        <p:txBody>
+          <a:bodyPr/>
+          <a:lstStyle/>
+          <a:p>
+            <a:r>
+              <a:rPr kumimoji="1" lang="en-US" altLang="ja-JP" dirty="0"/>
+              <a:t>Thank you</a:t>
+            </a:r>
+            <a:endParaRPr kumimoji="1" lang="ja-JP" altLang="en-US" dirty="0"/>
+          </a:p>
+        </p:txBody>
+      </p:sp>
+      <p:sp>
+        <p:nvSpPr>
+          <p:cNvPr id="4" name="スライド番号プレースホルダー 3"/>
+          <p:cNvSpPr>
+            <a:spLocks noGrp="1"/>
+          </p:cNvSpPr>
+          <p:nvPr>
+            <p:ph type="sldNum" sz="quarter" idx="10"/>
+          </p:nvPr>
+        </p:nvSpPr>
+        <p:spPr/>
+        <p:txBody>
+          <a:bodyPr/>
+          <a:lstStyle/>
+          <a:p>
+            <a:fld id="{B174A222-E768-495C-98C6-5433BF738BD6}" type="slidenum">
+              <a:rPr kumimoji="1" lang="ja-JP" altLang="en-US" smtClean="0"/>
+              <a:t>7</a:t>
+            </a:fld>
+            <a:endParaRPr kumimoji="1" lang="ja-JP" altLang="en-US"/>
+          </a:p>
+        </p:txBody>
+      </p:sp>
+    </p:spTree>
+    <p:extLst>
+      <p:ext uri="{BB962C8B-B14F-4D97-AF65-F5344CB8AC3E}">
+        <p14:creationId xmlns:p14="http://schemas.microsoft.com/office/powerpoint/2010/main" val="875698852"/>
+      </p:ext>
+    </p:extLst>
+  </p:cSld>
+  <p:clrMapOvr>
+    <a:masterClrMapping/>
+  </p:clrMapOvr>
+</p:notes>
+</file>
+
 <file path=ppt/slideLayouts/slideLayout1.xml><?xml version="1.0" encoding="utf-8"?>
 <p:sldLayout xmlns:a="http://schemas.openxmlformats.org/drawingml/2006/main" xmlns:r="http://schemas.openxmlformats.org/officeDocument/2006/relationships" xmlns:p="http://schemas.openxmlformats.org/presentationml/2006/main" type="title" preserve="1">
   <p:cSld name="タイトル スライド">
@@ -1401,7 +1681,7 @@
           <a:p>
             <a:fld id="{80E1E739-2DED-4160-9BC7-E465AFDC38F2}" type="datetimeFigureOut">
               <a:rPr kumimoji="1" lang="ja-JP" altLang="en-US" smtClean="0"/>
-              <a:t>2018/7/4</a:t>
+              <a:t>2018/7/5</a:t>
             </a:fld>
             <a:endParaRPr kumimoji="1" lang="ja-JP" altLang="en-US"/>
           </a:p>
@@ -1631,7 +1911,7 @@
           <a:p>
             <a:fld id="{80E1E739-2DED-4160-9BC7-E465AFDC38F2}" type="datetimeFigureOut">
               <a:rPr kumimoji="1" lang="ja-JP" altLang="en-US" smtClean="0"/>
-              <a:t>2018/7/4</a:t>
+              <a:t>2018/7/5</a:t>
             </a:fld>
             <a:endParaRPr kumimoji="1" lang="ja-JP" altLang="en-US"/>
           </a:p>
@@ -1871,7 +2151,7 @@
           <a:p>
             <a:fld id="{80E1E739-2DED-4160-9BC7-E465AFDC38F2}" type="datetimeFigureOut">
               <a:rPr kumimoji="1" lang="ja-JP" altLang="en-US" smtClean="0"/>
-              <a:t>2018/7/4</a:t>
+              <a:t>2018/7/5</a:t>
             </a:fld>
             <a:endParaRPr kumimoji="1" lang="ja-JP" altLang="en-US"/>
           </a:p>
@@ -2101,7 +2381,7 @@
           <a:p>
             <a:fld id="{80E1E739-2DED-4160-9BC7-E465AFDC38F2}" type="datetimeFigureOut">
               <a:rPr kumimoji="1" lang="ja-JP" altLang="en-US" smtClean="0"/>
-              <a:t>2018/7/4</a:t>
+              <a:t>2018/7/5</a:t>
             </a:fld>
             <a:endParaRPr kumimoji="1" lang="ja-JP" altLang="en-US"/>
           </a:p>
@@ -2376,7 +2656,7 @@
           <a:p>
             <a:fld id="{80E1E739-2DED-4160-9BC7-E465AFDC38F2}" type="datetimeFigureOut">
               <a:rPr kumimoji="1" lang="ja-JP" altLang="en-US" smtClean="0"/>
-              <a:t>2018/7/4</a:t>
+              <a:t>2018/7/5</a:t>
             </a:fld>
             <a:endParaRPr kumimoji="1" lang="ja-JP" altLang="en-US"/>
           </a:p>
@@ -2705,7 +2985,7 @@
           <a:p>
             <a:fld id="{80E1E739-2DED-4160-9BC7-E465AFDC38F2}" type="datetimeFigureOut">
               <a:rPr kumimoji="1" lang="ja-JP" altLang="en-US" smtClean="0"/>
-              <a:t>2018/7/4</a:t>
+              <a:t>2018/7/5</a:t>
             </a:fld>
             <a:endParaRPr kumimoji="1" lang="ja-JP" altLang="en-US"/>
           </a:p>
@@ -3181,7 +3461,7 @@
           <a:p>
             <a:fld id="{80E1E739-2DED-4160-9BC7-E465AFDC38F2}" type="datetimeFigureOut">
               <a:rPr kumimoji="1" lang="ja-JP" altLang="en-US" smtClean="0"/>
-              <a:t>2018/7/4</a:t>
+              <a:t>2018/7/5</a:t>
             </a:fld>
             <a:endParaRPr kumimoji="1" lang="ja-JP" altLang="en-US"/>
           </a:p>
@@ -3322,7 +3602,7 @@
           <a:p>
             <a:fld id="{80E1E739-2DED-4160-9BC7-E465AFDC38F2}" type="datetimeFigureOut">
               <a:rPr kumimoji="1" lang="ja-JP" altLang="en-US" smtClean="0"/>
-              <a:t>2018/7/4</a:t>
+              <a:t>2018/7/5</a:t>
             </a:fld>
             <a:endParaRPr kumimoji="1" lang="ja-JP" altLang="en-US"/>
           </a:p>
@@ -3435,7 +3715,7 @@
           <a:p>
             <a:fld id="{80E1E739-2DED-4160-9BC7-E465AFDC38F2}" type="datetimeFigureOut">
               <a:rPr kumimoji="1" lang="ja-JP" altLang="en-US" smtClean="0"/>
-              <a:t>2018/7/4</a:t>
+              <a:t>2018/7/5</a:t>
             </a:fld>
             <a:endParaRPr kumimoji="1" lang="ja-JP" altLang="en-US"/>
           </a:p>
@@ -3778,7 +4058,7 @@
           <a:p>
             <a:fld id="{80E1E739-2DED-4160-9BC7-E465AFDC38F2}" type="datetimeFigureOut">
               <a:rPr kumimoji="1" lang="ja-JP" altLang="en-US" smtClean="0"/>
-              <a:t>2018/7/4</a:t>
+              <a:t>2018/7/5</a:t>
             </a:fld>
             <a:endParaRPr kumimoji="1" lang="ja-JP" altLang="en-US"/>
           </a:p>
@@ -4066,7 +4346,7 @@
           <a:p>
             <a:fld id="{80E1E739-2DED-4160-9BC7-E465AFDC38F2}" type="datetimeFigureOut">
               <a:rPr kumimoji="1" lang="ja-JP" altLang="en-US" smtClean="0"/>
-              <a:t>2018/7/4</a:t>
+              <a:t>2018/7/5</a:t>
             </a:fld>
             <a:endParaRPr kumimoji="1" lang="ja-JP" altLang="en-US"/>
           </a:p>
@@ -4339,7 +4619,7 @@
           <a:p>
             <a:fld id="{80E1E739-2DED-4160-9BC7-E465AFDC38F2}" type="datetimeFigureOut">
               <a:rPr kumimoji="1" lang="ja-JP" altLang="en-US" smtClean="0"/>
-              <a:t>2018/7/4</a:t>
+              <a:t>2018/7/5</a:t>
             </a:fld>
             <a:endParaRPr kumimoji="1" lang="ja-JP" altLang="en-US"/>
           </a:p>
@@ -5167,7 +5447,7 @@
           <p:nvPr/>
         </p:nvPicPr>
         <p:blipFill>
-          <a:blip r:embed="rId2">
+          <a:blip r:embed="rId3">
             <a:extLst>
               <a:ext uri="{28A0092B-C50C-407E-A947-70E740481C1C}">
                 <a14:useLocalDpi xmlns:a14="http://schemas.microsoft.com/office/drawing/2010/main" val="0"/>
@@ -5789,4 +6069,299 @@
     </a:ext>
   </a:extLst>
 </a:theme>
+</file>
+
+<file path=ppt/theme/theme3.xml><?xml version="1.0" encoding="utf-8"?>
+<a:theme xmlns:a="http://schemas.openxmlformats.org/drawingml/2006/main" name="Office テーマ">
+  <a:themeElements>
+    <a:clrScheme name="Office">
+      <a:dk1>
+        <a:sysClr val="windowText" lastClr="000000"/>
+      </a:dk1>
+      <a:lt1>
+        <a:sysClr val="window" lastClr="FFFFFF"/>
+      </a:lt1>
+      <a:dk2>
+        <a:srgbClr val="44546A"/>
+      </a:dk2>
+      <a:lt2>
+        <a:srgbClr val="E7E6E6"/>
+      </a:lt2>
+      <a:accent1>
+        <a:srgbClr val="4472C4"/>
+      </a:accent1>
+      <a:accent2>
+        <a:srgbClr val="ED7D31"/>
+      </a:accent2>
+      <a:accent3>
+        <a:srgbClr val="A5A5A5"/>
+      </a:accent3>
+      <a:accent4>
+        <a:srgbClr val="FFC000"/>
+      </a:accent4>
+      <a:accent5>
+        <a:srgbClr val="5B9BD5"/>
+      </a:accent5>
+      <a:accent6>
+        <a:srgbClr val="70AD47"/>
+      </a:accent6>
+      <a:hlink>
+        <a:srgbClr val="0563C1"/>
+      </a:hlink>
+      <a:folHlink>
+        <a:srgbClr val="954F72"/>
+      </a:folHlink>
+    </a:clrScheme>
+    <a:fontScheme name="Office">
+      <a:majorFont>
+        <a:latin typeface="游ゴシック Light" panose="020F0302020204030204"/>
+        <a:ea typeface=""/>
+        <a:cs typeface=""/>
+        <a:font script="Jpan" typeface="游ゴシック Light"/>
+        <a:font script="Hang" typeface="맑은 고딕"/>
+        <a:font script="Hans" typeface="等线 Light"/>
+        <a:font script="Hant" typeface="新細明體"/>
+        <a:font script="Arab" typeface="Times New Roman"/>
+        <a:font script="Hebr" typeface="Times New Roman"/>
+        <a:font script="Thai" typeface="Angsana New"/>
+        <a:font script="Ethi" typeface="Nyala"/>
+        <a:font script="Beng" typeface="Vrinda"/>
+        <a:font script="Gujr" typeface="Shruti"/>
+        <a:font script="Khmr" typeface="MoolBoran"/>
+        <a:font script="Knda" typeface="Tunga"/>
+        <a:font script="Guru" typeface="Raavi"/>
+        <a:font script="Cans" typeface="Euphemia"/>
+        <a:font script="Cher" typeface="Plantagenet Cherokee"/>
+        <a:font script="Yiii" typeface="Microsoft Yi Baiti"/>
+        <a:font script="Tibt" typeface="Microsoft Himalaya"/>
+        <a:font script="Thaa" typeface="MV Boli"/>
+        <a:font script="Deva" typeface="Mangal"/>
+        <a:font script="Telu" typeface="Gautami"/>
+        <a:font script="Taml" typeface="Latha"/>
+        <a:font script="Syrc" typeface="Estrangelo Edessa"/>
+        <a:font script="Orya" typeface="Kalinga"/>
+        <a:font script="Mlym" typeface="Kartika"/>
+        <a:font script="Laoo" typeface="DokChampa"/>
+        <a:font script="Sinh" typeface="Iskoola Pota"/>
+        <a:font script="Mong" typeface="Mongolian Baiti"/>
+        <a:font script="Viet" typeface="Times New Roman"/>
+        <a:font script="Uigh" typeface="Microsoft Uighur"/>
+        <a:font script="Geor" typeface="Sylfaen"/>
+        <a:font script="Armn" typeface="Arial"/>
+        <a:font script="Bugi" typeface="Leelawadee UI"/>
+        <a:font script="Bopo" typeface="Microsoft JhengHei"/>
+        <a:font script="Java" typeface="Javanese Text"/>
+        <a:font script="Lisu" typeface="Segoe UI"/>
+        <a:font script="Mymr" typeface="Myanmar Text"/>
+        <a:font script="Nkoo" typeface="Ebrima"/>
+        <a:font script="Olck" typeface="Nirmala UI"/>
+        <a:font script="Osma" typeface="Ebrima"/>
+        <a:font script="Phag" typeface="Phagspa"/>
+        <a:font script="Syrn" typeface="Estrangelo Edessa"/>
+        <a:font script="Syrj" typeface="Estrangelo Edessa"/>
+        <a:font script="Syre" typeface="Estrangelo Edessa"/>
+        <a:font script="Sora" typeface="Nirmala UI"/>
+        <a:font script="Tale" typeface="Microsoft Tai Le"/>
+        <a:font script="Talu" typeface="Microsoft New Tai Lue"/>
+        <a:font script="Tfng" typeface="Ebrima"/>
+      </a:majorFont>
+      <a:minorFont>
+        <a:latin typeface="游ゴシック" panose="020F0502020204030204"/>
+        <a:ea typeface=""/>
+        <a:cs typeface=""/>
+        <a:font script="Jpan" typeface="游ゴシック"/>
+        <a:font script="Hang" typeface="맑은 고딕"/>
+        <a:font script="Hans" typeface="等线"/>
+        <a:font script="Hant" typeface="新細明體"/>
+        <a:font script="Arab" typeface="Arial"/>
+        <a:font script="Hebr" typeface="Arial"/>
+        <a:font script="Thai" typeface="Cordia New"/>
+        <a:font script="Ethi" typeface="Nyala"/>
+        <a:font script="Beng" typeface="Vrinda"/>
+        <a:font script="Gujr" typeface="Shruti"/>
+        <a:font script="Khmr" typeface="DaunPenh"/>
+        <a:font script="Knda" typeface="Tunga"/>
+        <a:font script="Guru" typeface="Raavi"/>
+        <a:font script="Cans" typeface="Euphemia"/>
+        <a:font script="Cher" typeface="Plantagenet Cherokee"/>
+        <a:font script="Yiii" typeface="Microsoft Yi Baiti"/>
+        <a:font script="Tibt" typeface="Microsoft Himalaya"/>
+        <a:font script="Thaa" typeface="MV Boli"/>
+        <a:font script="Deva" typeface="Mangal"/>
+        <a:font script="Telu" typeface="Gautami"/>
+        <a:font script="Taml" typeface="Latha"/>
+        <a:font script="Syrc" typeface="Estrangelo Edessa"/>
+        <a:font script="Orya" typeface="Kalinga"/>
+        <a:font script="Mlym" typeface="Kartika"/>
+        <a:font script="Laoo" typeface="DokChampa"/>
+        <a:font script="Sinh" typeface="Iskoola Pota"/>
+        <a:font script="Mong" typeface="Mongolian Baiti"/>
+        <a:font script="Viet" typeface="Arial"/>
+        <a:font script="Uigh" typeface="Microsoft Uighur"/>
+        <a:font script="Geor" typeface="Sylfaen"/>
+        <a:font script="Armn" typeface="Arial"/>
+        <a:font script="Bugi" typeface="Leelawadee UI"/>
+        <a:font script="Bopo" typeface="Microsoft JhengHei"/>
+        <a:font script="Java" typeface="Javanese Text"/>
+        <a:font script="Lisu" typeface="Segoe UI"/>
+        <a:font script="Mymr" typeface="Myanmar Text"/>
+        <a:font script="Nkoo" typeface="Ebrima"/>
+        <a:font script="Olck" typeface="Nirmala UI"/>
+        <a:font script="Osma" typeface="Ebrima"/>
+        <a:font script="Phag" typeface="Phagspa"/>
+        <a:font script="Syrn" typeface="Estrangelo Edessa"/>
+        <a:font script="Syrj" typeface="Estrangelo Edessa"/>
+        <a:font script="Syre" typeface="Estrangelo Edessa"/>
+        <a:font script="Sora" typeface="Nirmala UI"/>
+        <a:font script="Tale" typeface="Microsoft Tai Le"/>
+        <a:font script="Talu" typeface="Microsoft New Tai Lue"/>
+        <a:font script="Tfng" typeface="Ebrima"/>
+      </a:minorFont>
+    </a:fontScheme>
+    <a:fmtScheme name="Office">
+      <a:fillStyleLst>
+        <a:solidFill>
+          <a:schemeClr val="phClr"/>
+        </a:solidFill>
+        <a:gradFill rotWithShape="1">
+          <a:gsLst>
+            <a:gs pos="0">
+              <a:schemeClr val="phClr">
+                <a:lumMod val="110000"/>
+                <a:satMod val="105000"/>
+                <a:tint val="67000"/>
+              </a:schemeClr>
+            </a:gs>
+            <a:gs pos="50000">
+              <a:schemeClr val="phClr">
+                <a:lumMod val="105000"/>
+                <a:satMod val="103000"/>
+                <a:tint val="73000"/>
+              </a:schemeClr>
+            </a:gs>
+            <a:gs pos="100000">
+              <a:schemeClr val="phClr">
+                <a:lumMod val="105000"/>
+                <a:satMod val="109000"/>
+                <a:tint val="81000"/>
+              </a:schemeClr>
+            </a:gs>
+          </a:gsLst>
+          <a:lin ang="5400000" scaled="0"/>
+        </a:gradFill>
+        <a:gradFill rotWithShape="1">
+          <a:gsLst>
+            <a:gs pos="0">
+              <a:schemeClr val="phClr">
+                <a:satMod val="103000"/>
+                <a:lumMod val="102000"/>
+                <a:tint val="94000"/>
+              </a:schemeClr>
+            </a:gs>
+            <a:gs pos="50000">
+              <a:schemeClr val="phClr">
+                <a:satMod val="110000"/>
+                <a:lumMod val="100000"/>
+                <a:shade val="100000"/>
+              </a:schemeClr>
+            </a:gs>
+            <a:gs pos="100000">
+              <a:schemeClr val="phClr">
+                <a:lumMod val="99000"/>
+                <a:satMod val="120000"/>
+                <a:shade val="78000"/>
+              </a:schemeClr>
+            </a:gs>
+          </a:gsLst>
+          <a:lin ang="5400000" scaled="0"/>
+        </a:gradFill>
+      </a:fillStyleLst>
+      <a:lnStyleLst>
+        <a:ln w="6350" cap="flat" cmpd="sng" algn="ctr">
+          <a:solidFill>
+            <a:schemeClr val="phClr"/>
+          </a:solidFill>
+          <a:prstDash val="solid"/>
+          <a:miter lim="800000"/>
+        </a:ln>
+        <a:ln w="12700" cap="flat" cmpd="sng" algn="ctr">
+          <a:solidFill>
+            <a:schemeClr val="phClr"/>
+          </a:solidFill>
+          <a:prstDash val="solid"/>
+          <a:miter lim="800000"/>
+        </a:ln>
+        <a:ln w="19050" cap="flat" cmpd="sng" algn="ctr">
+          <a:solidFill>
+            <a:schemeClr val="phClr"/>
+          </a:solidFill>
+          <a:prstDash val="solid"/>
+          <a:miter lim="800000"/>
+        </a:ln>
+      </a:lnStyleLst>
+      <a:effectStyleLst>
+        <a:effectStyle>
+          <a:effectLst/>
+        </a:effectStyle>
+        <a:effectStyle>
+          <a:effectLst/>
+        </a:effectStyle>
+        <a:effectStyle>
+          <a:effectLst>
+            <a:outerShdw blurRad="57150" dist="19050" dir="5400000" algn="ctr" rotWithShape="0">
+              <a:srgbClr val="000000">
+                <a:alpha val="63000"/>
+              </a:srgbClr>
+            </a:outerShdw>
+          </a:effectLst>
+        </a:effectStyle>
+      </a:effectStyleLst>
+      <a:bgFillStyleLst>
+        <a:solidFill>
+          <a:schemeClr val="phClr"/>
+        </a:solidFill>
+        <a:solidFill>
+          <a:schemeClr val="phClr">
+            <a:tint val="95000"/>
+            <a:satMod val="170000"/>
+          </a:schemeClr>
+        </a:solidFill>
+        <a:gradFill rotWithShape="1">
+          <a:gsLst>
+            <a:gs pos="0">
+              <a:schemeClr val="phClr">
+                <a:tint val="93000"/>
+                <a:satMod val="150000"/>
+                <a:shade val="98000"/>
+                <a:lumMod val="102000"/>
+              </a:schemeClr>
+            </a:gs>
+            <a:gs pos="50000">
+              <a:schemeClr val="phClr">
+                <a:tint val="98000"/>
+                <a:satMod val="130000"/>
+                <a:shade val="90000"/>
+                <a:lumMod val="103000"/>
+              </a:schemeClr>
+            </a:gs>
+            <a:gs pos="100000">
+              <a:schemeClr val="phClr">
+                <a:shade val="63000"/>
+                <a:satMod val="120000"/>
+              </a:schemeClr>
+            </a:gs>
+          </a:gsLst>
+          <a:lin ang="5400000" scaled="0"/>
+        </a:gradFill>
+      </a:bgFillStyleLst>
+    </a:fmtScheme>
+  </a:themeElements>
+  <a:objectDefaults/>
+  <a:extraClrSchemeLst/>
+  <a:extLst>
+    <a:ext uri="{05A4C25C-085E-4340-85A3-A5531E510DB2}">
+      <thm15:themeFamily xmlns:thm15="http://schemas.microsoft.com/office/thememl/2012/main" name="Office Theme" id="{62F939B6-93AF-4DB8-9C6B-D6C7DFDC589F}" vid="{4A3C46E8-61CC-4603-A589-7422A47A8E4A}"/>
+    </a:ext>
+  </a:extLst>
+</a:theme>
 </file>